--- a/Shared/2week/[패스트캠퍼스] 2주차_강의자료_김경원박사.pptx
+++ b/Shared/2week/[패스트캠퍼스] 2주차_강의자료_김경원박사.pptx
@@ -5,10 +5,10 @@
     <p:sldMasterId id="2147483648" r:id="rId1"/>
   </p:sldMasterIdLst>
   <p:notesMasterIdLst>
-    <p:notesMasterId r:id="rId36"/>
+    <p:notesMasterId r:id="rId37"/>
   </p:notesMasterIdLst>
   <p:handoutMasterIdLst>
-    <p:handoutMasterId r:id="rId37"/>
+    <p:handoutMasterId r:id="rId38"/>
   </p:handoutMasterIdLst>
   <p:sldIdLst>
     <p:sldId id="1063" r:id="rId2"/>
@@ -26,33 +26,34 @@
     <p:sldId id="1080" r:id="rId14"/>
     <p:sldId id="1081" r:id="rId15"/>
     <p:sldId id="1082" r:id="rId16"/>
-    <p:sldId id="1083" r:id="rId17"/>
-    <p:sldId id="1084" r:id="rId18"/>
-    <p:sldId id="1085" r:id="rId19"/>
-    <p:sldId id="1086" r:id="rId20"/>
-    <p:sldId id="1088" r:id="rId21"/>
-    <p:sldId id="1089" r:id="rId22"/>
-    <p:sldId id="1087" r:id="rId23"/>
-    <p:sldId id="1090" r:id="rId24"/>
-    <p:sldId id="1091" r:id="rId25"/>
+    <p:sldId id="1084" r:id="rId17"/>
+    <p:sldId id="1085" r:id="rId18"/>
+    <p:sldId id="1086" r:id="rId19"/>
+    <p:sldId id="1088" r:id="rId20"/>
+    <p:sldId id="1089" r:id="rId21"/>
+    <p:sldId id="1087" r:id="rId22"/>
+    <p:sldId id="1090" r:id="rId23"/>
+    <p:sldId id="1091" r:id="rId24"/>
+    <p:sldId id="1101" r:id="rId25"/>
     <p:sldId id="1092" r:id="rId26"/>
-    <p:sldId id="1093" r:id="rId27"/>
-    <p:sldId id="1094" r:id="rId28"/>
-    <p:sldId id="1095" r:id="rId29"/>
-    <p:sldId id="1096" r:id="rId30"/>
-    <p:sldId id="1097" r:id="rId31"/>
-    <p:sldId id="1098" r:id="rId32"/>
-    <p:sldId id="1099" r:id="rId33"/>
-    <p:sldId id="1100" r:id="rId34"/>
-    <p:sldId id="1062" r:id="rId35"/>
+    <p:sldId id="1102" r:id="rId27"/>
+    <p:sldId id="1093" r:id="rId28"/>
+    <p:sldId id="1094" r:id="rId29"/>
+    <p:sldId id="1095" r:id="rId30"/>
+    <p:sldId id="1096" r:id="rId31"/>
+    <p:sldId id="1097" r:id="rId32"/>
+    <p:sldId id="1098" r:id="rId33"/>
+    <p:sldId id="1099" r:id="rId34"/>
+    <p:sldId id="1100" r:id="rId35"/>
+    <p:sldId id="1062" r:id="rId36"/>
   </p:sldIdLst>
   <p:sldSz cx="12160250" cy="6840538"/>
   <p:notesSz cx="9874250" cy="6797675"/>
   <p:embeddedFontLst>
     <p:embeddedFont>
       <p:font typeface="맑은 고딕" panose="020B0503020000020004" pitchFamily="50" charset="-127"/>
-      <p:regular r:id="rId38"/>
-      <p:bold r:id="rId39"/>
+      <p:regular r:id="rId39"/>
+      <p:bold r:id="rId40"/>
     </p:embeddedFont>
   </p:embeddedFontLst>
   <p:defaultTextStyle>
@@ -265,7 +266,7 @@
           <a:p>
             <a:fld id="{FC718EE8-BF93-4A17-BED5-FC99EECA5FC7}" type="datetimeFigureOut">
               <a:rPr lang="ko-KR" altLang="en-US" smtClean="0"/>
-              <a:t>2019-02-27</a:t>
+              <a:t>2019-03-01</a:t>
             </a:fld>
             <a:endParaRPr lang="ko-KR" altLang="en-US"/>
           </a:p>
@@ -430,7 +431,7 @@
           <a:p>
             <a:fld id="{6101F873-BA02-446B-9127-C4DE4310B943}" type="datetimeFigureOut">
               <a:rPr lang="ko-KR" altLang="en-US" smtClean="0"/>
-              <a:t>2019-02-27</a:t>
+              <a:t>2019-03-01</a:t>
             </a:fld>
             <a:endParaRPr lang="ko-KR" altLang="en-US"/>
           </a:p>
@@ -1044,7 +1045,7 @@
           <a:p>
             <a:fld id="{89B5E594-86C5-4F1D-8812-38DF40064943}" type="datetime1">
               <a:rPr lang="ko-KR" altLang="en-US" smtClean="0"/>
-              <a:t>2019-02-27</a:t>
+              <a:t>2019-03-01</a:t>
             </a:fld>
             <a:endParaRPr lang="ko-KR" altLang="en-US"/>
           </a:p>
@@ -1252,7 +1253,7 @@
           <a:p>
             <a:fld id="{05C0B17C-522D-4CD8-8139-01EDEBAB2AF6}" type="datetime1">
               <a:rPr lang="ko-KR" altLang="en-US" smtClean="0"/>
-              <a:t>2019-02-27</a:t>
+              <a:t>2019-03-01</a:t>
             </a:fld>
             <a:endParaRPr lang="ko-KR" altLang="en-US"/>
           </a:p>
@@ -1430,7 +1431,7 @@
           <a:p>
             <a:fld id="{7345261C-38F3-40E7-AAA6-CE27B727AA65}" type="datetime1">
               <a:rPr lang="ko-KR" altLang="en-US" smtClean="0"/>
-              <a:t>2019-02-27</a:t>
+              <a:t>2019-03-01</a:t>
             </a:fld>
             <a:endParaRPr lang="ko-KR" altLang="en-US"/>
           </a:p>
@@ -1598,7 +1599,7 @@
           <a:p>
             <a:fld id="{A8472951-AD8C-47B8-8787-30E2F4BFA1EA}" type="datetime1">
               <a:rPr lang="ko-KR" altLang="en-US" smtClean="0"/>
-              <a:t>2019-02-27</a:t>
+              <a:t>2019-03-01</a:t>
             </a:fld>
             <a:endParaRPr lang="ko-KR" altLang="en-US"/>
           </a:p>
@@ -1853,7 +1854,7 @@
           <a:p>
             <a:fld id="{8BCB1BBF-13D1-46E6-8B8B-C9F26A0BAD91}" type="datetime1">
               <a:rPr lang="ko-KR" altLang="en-US" smtClean="0"/>
-              <a:t>2019-02-27</a:t>
+              <a:t>2019-03-01</a:t>
             </a:fld>
             <a:endParaRPr lang="ko-KR" altLang="en-US"/>
           </a:p>
@@ -2138,7 +2139,7 @@
           <a:p>
             <a:fld id="{B16FDC3D-FD6A-49DF-B101-11717D57279F}" type="datetime1">
               <a:rPr lang="ko-KR" altLang="en-US" smtClean="0"/>
-              <a:t>2019-02-27</a:t>
+              <a:t>2019-03-01</a:t>
             </a:fld>
             <a:endParaRPr lang="ko-KR" altLang="en-US"/>
           </a:p>
@@ -2557,7 +2558,7 @@
           <a:p>
             <a:fld id="{42D411A2-FD90-4A19-98A8-25197A66BC26}" type="datetime1">
               <a:rPr lang="ko-KR" altLang="en-US" smtClean="0"/>
-              <a:t>2019-02-27</a:t>
+              <a:t>2019-03-01</a:t>
             </a:fld>
             <a:endParaRPr lang="ko-KR" altLang="en-US"/>
           </a:p>
@@ -2674,7 +2675,7 @@
           <a:p>
             <a:fld id="{F6E6B532-6471-449A-9A2F-4428556C2F98}" type="datetime1">
               <a:rPr lang="ko-KR" altLang="en-US" smtClean="0"/>
-              <a:t>2019-02-27</a:t>
+              <a:t>2019-03-01</a:t>
             </a:fld>
             <a:endParaRPr lang="ko-KR" altLang="en-US"/>
           </a:p>
@@ -2769,7 +2770,7 @@
           <a:p>
             <a:fld id="{45A9E13B-856D-4562-A86D-A2B6F7BF810F}" type="datetime1">
               <a:rPr lang="ko-KR" altLang="en-US" smtClean="0"/>
-              <a:t>2019-02-27</a:t>
+              <a:t>2019-03-01</a:t>
             </a:fld>
             <a:endParaRPr lang="ko-KR" altLang="en-US"/>
           </a:p>
@@ -3044,7 +3045,7 @@
           <a:p>
             <a:fld id="{A672FB3A-7E9E-4380-9381-6FCA87FBB41A}" type="datetime1">
               <a:rPr lang="ko-KR" altLang="en-US" smtClean="0"/>
-              <a:t>2019-02-27</a:t>
+              <a:t>2019-03-01</a:t>
             </a:fld>
             <a:endParaRPr lang="ko-KR" altLang="en-US"/>
           </a:p>
@@ -3296,7 +3297,7 @@
           <a:p>
             <a:fld id="{3948CCBA-1514-4E9E-888A-807450F810B0}" type="datetime1">
               <a:rPr lang="ko-KR" altLang="en-US" smtClean="0"/>
-              <a:t>2019-02-27</a:t>
+              <a:t>2019-03-01</a:t>
             </a:fld>
             <a:endParaRPr lang="ko-KR" altLang="en-US"/>
           </a:p>
@@ -3509,7 +3510,7 @@
           <a:p>
             <a:fld id="{170EDEE7-370E-499F-B978-ABF387098974}" type="datetime1">
               <a:rPr lang="ko-KR" altLang="en-US" smtClean="0"/>
-              <a:t>2019-02-27</a:t>
+              <a:t>2019-03-01</a:t>
             </a:fld>
             <a:endParaRPr lang="ko-KR" altLang="en-US" dirty="0"/>
           </a:p>
@@ -4210,7 +4211,7 @@
         </p:spPr>
         <p:txBody>
           <a:bodyPr>
-            <a:normAutofit fontScale="90000"/>
+            <a:normAutofit/>
           </a:bodyPr>
           <a:lstStyle/>
           <a:p>
@@ -4226,32 +4227,20 @@
                 <a:latin typeface="Noto Sans CJK KR Black" pitchFamily="34" charset="-127"/>
                 <a:ea typeface="Noto Sans CJK KR Black" pitchFamily="34" charset="-127"/>
               </a:rPr>
-              <a:t>1. Learning Style </a:t>
-            </a:r>
-            <a:br>
-              <a:rPr lang="en-US" altLang="ko-KR" sz="4400" dirty="0">
-                <a:solidFill>
-                  <a:schemeClr val="tx1">
-                    <a:lumMod val="75000"/>
-                    <a:lumOff val="25000"/>
-                  </a:schemeClr>
-                </a:solidFill>
-                <a:latin typeface="Noto Sans CJK KR Black" pitchFamily="34" charset="-127"/>
-                <a:ea typeface="Noto Sans CJK KR Black" pitchFamily="34" charset="-127"/>
-              </a:rPr>
-            </a:br>
-            <a:r>
-              <a:rPr lang="en-US" altLang="ko-KR" sz="4400" dirty="0">
-                <a:solidFill>
-                  <a:schemeClr val="tx1">
-                    <a:lumMod val="75000"/>
-                    <a:lumOff val="25000"/>
-                  </a:schemeClr>
-                </a:solidFill>
-                <a:latin typeface="Noto Sans CJK KR Black" pitchFamily="34" charset="-127"/>
-                <a:ea typeface="Noto Sans CJK KR Black" pitchFamily="34" charset="-127"/>
-              </a:rPr>
-              <a:t>and Algorithms</a:t>
+              <a:t>1. </a:t>
+            </a:r>
+            <a:r>
+              <a:rPr lang="ko-KR" altLang="en-US" sz="4400" dirty="0">
+                <a:solidFill>
+                  <a:schemeClr val="tx1">
+                    <a:lumMod val="75000"/>
+                    <a:lumOff val="25000"/>
+                  </a:schemeClr>
+                </a:solidFill>
+                <a:latin typeface="Noto Sans CJK KR Black" pitchFamily="34" charset="-127"/>
+                <a:ea typeface="Noto Sans CJK KR Black" pitchFamily="34" charset="-127"/>
+              </a:rPr>
+              <a:t>학습방향과 알고리즘</a:t>
             </a:r>
             <a:endParaRPr lang="ko-KR" altLang="en-US" sz="4400" dirty="0">
               <a:solidFill>
@@ -4290,10 +4279,10 @@
       </p:sp>
       <p:pic>
         <p:nvPicPr>
-          <p:cNvPr id="4" name="그림 3">
+          <p:cNvPr id="2" name="그림 1">
             <a:extLst>
               <a:ext uri="{FF2B5EF4-FFF2-40B4-BE49-F238E27FC236}">
-                <a16:creationId xmlns:a16="http://schemas.microsoft.com/office/drawing/2014/main" id="{021F508D-8875-40B8-80F4-F4C658C9D126}"/>
+                <a16:creationId xmlns:a16="http://schemas.microsoft.com/office/drawing/2014/main" id="{015DB05E-CB8F-465D-81B6-D8B0D6D98CFA}"/>
               </a:ext>
             </a:extLst>
           </p:cNvPr>
@@ -4310,8 +4299,8 @@
         </p:blipFill>
         <p:spPr>
           <a:xfrm>
-            <a:off x="6088934" y="0"/>
-            <a:ext cx="4596508" cy="6840538"/>
+            <a:off x="6296149" y="0"/>
+            <a:ext cx="4571481" cy="6840538"/>
           </a:xfrm>
           <a:prstGeom prst="rect">
             <a:avLst/>
@@ -4366,7 +4355,7 @@
         </p:spPr>
         <p:txBody>
           <a:bodyPr>
-            <a:normAutofit fontScale="90000"/>
+            <a:normAutofit/>
           </a:bodyPr>
           <a:lstStyle/>
           <a:p>
@@ -4382,32 +4371,20 @@
                 <a:latin typeface="Noto Sans CJK KR Black" pitchFamily="34" charset="-127"/>
                 <a:ea typeface="Noto Sans CJK KR Black" pitchFamily="34" charset="-127"/>
               </a:rPr>
-              <a:t>1. Learning Style </a:t>
-            </a:r>
-            <a:br>
-              <a:rPr lang="en-US" altLang="ko-KR" sz="4400" dirty="0">
-                <a:solidFill>
-                  <a:schemeClr val="tx1">
-                    <a:lumMod val="75000"/>
-                    <a:lumOff val="25000"/>
-                  </a:schemeClr>
-                </a:solidFill>
-                <a:latin typeface="Noto Sans CJK KR Black" pitchFamily="34" charset="-127"/>
-                <a:ea typeface="Noto Sans CJK KR Black" pitchFamily="34" charset="-127"/>
-              </a:rPr>
-            </a:br>
-            <a:r>
-              <a:rPr lang="en-US" altLang="ko-KR" sz="4400" dirty="0">
-                <a:solidFill>
-                  <a:schemeClr val="tx1">
-                    <a:lumMod val="75000"/>
-                    <a:lumOff val="25000"/>
-                  </a:schemeClr>
-                </a:solidFill>
-                <a:latin typeface="Noto Sans CJK KR Black" pitchFamily="34" charset="-127"/>
-                <a:ea typeface="Noto Sans CJK KR Black" pitchFamily="34" charset="-127"/>
-              </a:rPr>
-              <a:t>and Algorithms</a:t>
+              <a:t>1. </a:t>
+            </a:r>
+            <a:r>
+              <a:rPr lang="ko-KR" altLang="en-US" sz="4400" dirty="0">
+                <a:solidFill>
+                  <a:schemeClr val="tx1">
+                    <a:lumMod val="75000"/>
+                    <a:lumOff val="25000"/>
+                  </a:schemeClr>
+                </a:solidFill>
+                <a:latin typeface="Noto Sans CJK KR Black" pitchFamily="34" charset="-127"/>
+                <a:ea typeface="Noto Sans CJK KR Black" pitchFamily="34" charset="-127"/>
+              </a:rPr>
+              <a:t>학습방향과 알고리즘</a:t>
             </a:r>
             <a:endParaRPr lang="ko-KR" altLang="en-US" sz="4400" dirty="0">
               <a:solidFill>
@@ -4522,7 +4499,7 @@
         </p:spPr>
         <p:txBody>
           <a:bodyPr>
-            <a:normAutofit fontScale="90000"/>
+            <a:normAutofit/>
           </a:bodyPr>
           <a:lstStyle/>
           <a:p>
@@ -4538,7 +4515,72 @@
                 <a:latin typeface="Noto Sans CJK KR Black" pitchFamily="34" charset="-127"/>
                 <a:ea typeface="Noto Sans CJK KR Black" pitchFamily="34" charset="-127"/>
               </a:rPr>
-              <a:t>2. Time Series Analysis differs from Machine Learning</a:t>
+              <a:t>2. </a:t>
+            </a:r>
+            <a:r>
+              <a:rPr lang="ko-KR" altLang="en-US" sz="4400" dirty="0">
+                <a:solidFill>
+                  <a:schemeClr val="tx1">
+                    <a:lumMod val="75000"/>
+                    <a:lumOff val="25000"/>
+                  </a:schemeClr>
+                </a:solidFill>
+                <a:latin typeface="Noto Sans CJK KR Black" pitchFamily="34" charset="-127"/>
+                <a:ea typeface="Noto Sans CJK KR Black" pitchFamily="34" charset="-127"/>
+              </a:rPr>
+              <a:t>시계열</a:t>
+            </a:r>
+            <a:r>
+              <a:rPr lang="en-US" altLang="ko-KR" sz="4400" dirty="0">
+                <a:solidFill>
+                  <a:schemeClr val="tx1">
+                    <a:lumMod val="75000"/>
+                    <a:lumOff val="25000"/>
+                  </a:schemeClr>
+                </a:solidFill>
+                <a:latin typeface="Noto Sans CJK KR Black" pitchFamily="34" charset="-127"/>
+                <a:ea typeface="Noto Sans CJK KR Black" pitchFamily="34" charset="-127"/>
+              </a:rPr>
+              <a:t> </a:t>
+            </a:r>
+            <a:r>
+              <a:rPr lang="ko-KR" altLang="en-US" sz="4400" dirty="0">
+                <a:solidFill>
+                  <a:schemeClr val="tx1">
+                    <a:lumMod val="75000"/>
+                    <a:lumOff val="25000"/>
+                  </a:schemeClr>
+                </a:solidFill>
+                <a:latin typeface="Noto Sans CJK KR Black" pitchFamily="34" charset="-127"/>
+                <a:ea typeface="Noto Sans CJK KR Black" pitchFamily="34" charset="-127"/>
+              </a:rPr>
+              <a:t>데이터</a:t>
+            </a:r>
+            <a:r>
+              <a:rPr lang="en-US" altLang="ko-KR" sz="4400" dirty="0">
+                <a:solidFill>
+                  <a:schemeClr val="tx1">
+                    <a:lumMod val="75000"/>
+                    <a:lumOff val="25000"/>
+                  </a:schemeClr>
+                </a:solidFill>
+                <a:latin typeface="Noto Sans CJK KR Black" pitchFamily="34" charset="-127"/>
+                <a:ea typeface="Noto Sans CJK KR Black" pitchFamily="34" charset="-127"/>
+              </a:rPr>
+              <a:t>/</a:t>
+            </a:r>
+            <a:r>
+              <a:rPr lang="ko-KR" altLang="en-US" sz="4400" dirty="0">
+                <a:solidFill>
+                  <a:schemeClr val="tx1">
+                    <a:lumMod val="75000"/>
+                    <a:lumOff val="25000"/>
+                  </a:schemeClr>
+                </a:solidFill>
+                <a:latin typeface="Noto Sans CJK KR Black" pitchFamily="34" charset="-127"/>
+                <a:ea typeface="Noto Sans CJK KR Black" pitchFamily="34" charset="-127"/>
+              </a:rPr>
+              <a:t>분석과 기계학습의 차이</a:t>
             </a:r>
             <a:endParaRPr lang="ko-KR" altLang="en-US" sz="4400" dirty="0">
               <a:solidFill>
@@ -4577,10 +4619,10 @@
       </p:sp>
       <p:pic>
         <p:nvPicPr>
-          <p:cNvPr id="4" name="그림 3">
+          <p:cNvPr id="2" name="그림 1">
             <a:extLst>
               <a:ext uri="{FF2B5EF4-FFF2-40B4-BE49-F238E27FC236}">
-                <a16:creationId xmlns:a16="http://schemas.microsoft.com/office/drawing/2014/main" id="{61ED8F89-F4F4-40B9-8325-FD5D59FA1BC3}"/>
+                <a16:creationId xmlns:a16="http://schemas.microsoft.com/office/drawing/2014/main" id="{6E1495C4-4434-49E9-847A-CCA1C7180E41}"/>
               </a:ext>
             </a:extLst>
           </p:cNvPr>
@@ -4597,8 +4639,8 @@
         </p:blipFill>
         <p:spPr>
           <a:xfrm>
-            <a:off x="1111573" y="2172040"/>
-            <a:ext cx="7200000" cy="3705882"/>
+            <a:off x="2840124" y="1930994"/>
+            <a:ext cx="6480000" cy="4805799"/>
           </a:xfrm>
           <a:prstGeom prst="rect">
             <a:avLst/>
@@ -4653,7 +4695,7 @@
         </p:spPr>
         <p:txBody>
           <a:bodyPr>
-            <a:normAutofit fontScale="90000"/>
+            <a:normAutofit/>
           </a:bodyPr>
           <a:lstStyle/>
           <a:p>
@@ -4669,7 +4711,72 @@
                 <a:latin typeface="Noto Sans CJK KR Black" pitchFamily="34" charset="-127"/>
                 <a:ea typeface="Noto Sans CJK KR Black" pitchFamily="34" charset="-127"/>
               </a:rPr>
-              <a:t>2. Time Series Analysis differs from Machine Learning</a:t>
+              <a:t>2. </a:t>
+            </a:r>
+            <a:r>
+              <a:rPr lang="ko-KR" altLang="en-US" sz="4400" dirty="0">
+                <a:solidFill>
+                  <a:schemeClr val="tx1">
+                    <a:lumMod val="75000"/>
+                    <a:lumOff val="25000"/>
+                  </a:schemeClr>
+                </a:solidFill>
+                <a:latin typeface="Noto Sans CJK KR Black" pitchFamily="34" charset="-127"/>
+                <a:ea typeface="Noto Sans CJK KR Black" pitchFamily="34" charset="-127"/>
+              </a:rPr>
+              <a:t>시계열</a:t>
+            </a:r>
+            <a:r>
+              <a:rPr lang="en-US" altLang="ko-KR" sz="4400" dirty="0">
+                <a:solidFill>
+                  <a:schemeClr val="tx1">
+                    <a:lumMod val="75000"/>
+                    <a:lumOff val="25000"/>
+                  </a:schemeClr>
+                </a:solidFill>
+                <a:latin typeface="Noto Sans CJK KR Black" pitchFamily="34" charset="-127"/>
+                <a:ea typeface="Noto Sans CJK KR Black" pitchFamily="34" charset="-127"/>
+              </a:rPr>
+              <a:t> </a:t>
+            </a:r>
+            <a:r>
+              <a:rPr lang="ko-KR" altLang="en-US" sz="4400" dirty="0">
+                <a:solidFill>
+                  <a:schemeClr val="tx1">
+                    <a:lumMod val="75000"/>
+                    <a:lumOff val="25000"/>
+                  </a:schemeClr>
+                </a:solidFill>
+                <a:latin typeface="Noto Sans CJK KR Black" pitchFamily="34" charset="-127"/>
+                <a:ea typeface="Noto Sans CJK KR Black" pitchFamily="34" charset="-127"/>
+              </a:rPr>
+              <a:t>데이터</a:t>
+            </a:r>
+            <a:r>
+              <a:rPr lang="en-US" altLang="ko-KR" sz="4400" dirty="0">
+                <a:solidFill>
+                  <a:schemeClr val="tx1">
+                    <a:lumMod val="75000"/>
+                    <a:lumOff val="25000"/>
+                  </a:schemeClr>
+                </a:solidFill>
+                <a:latin typeface="Noto Sans CJK KR Black" pitchFamily="34" charset="-127"/>
+                <a:ea typeface="Noto Sans CJK KR Black" pitchFamily="34" charset="-127"/>
+              </a:rPr>
+              <a:t>/</a:t>
+            </a:r>
+            <a:r>
+              <a:rPr lang="ko-KR" altLang="en-US" sz="4400" dirty="0">
+                <a:solidFill>
+                  <a:schemeClr val="tx1">
+                    <a:lumMod val="75000"/>
+                    <a:lumOff val="25000"/>
+                  </a:schemeClr>
+                </a:solidFill>
+                <a:latin typeface="Noto Sans CJK KR Black" pitchFamily="34" charset="-127"/>
+                <a:ea typeface="Noto Sans CJK KR Black" pitchFamily="34" charset="-127"/>
+              </a:rPr>
+              <a:t>분석과 기계학습의 차이</a:t>
             </a:r>
             <a:endParaRPr lang="ko-KR" altLang="en-US" sz="4400" dirty="0">
               <a:solidFill>
@@ -4708,10 +4815,10 @@
       </p:sp>
       <p:pic>
         <p:nvPicPr>
-          <p:cNvPr id="2" name="그림 1">
+          <p:cNvPr id="4" name="그림 3">
             <a:extLst>
               <a:ext uri="{FF2B5EF4-FFF2-40B4-BE49-F238E27FC236}">
-                <a16:creationId xmlns:a16="http://schemas.microsoft.com/office/drawing/2014/main" id="{19B28718-A2C4-4FD1-A8FF-326C93E65EA3}"/>
+                <a16:creationId xmlns:a16="http://schemas.microsoft.com/office/drawing/2014/main" id="{531458AE-7A03-44CA-87B5-E5E74722A615}"/>
               </a:ext>
             </a:extLst>
           </p:cNvPr>
@@ -4728,8 +4835,8 @@
         </p:blipFill>
         <p:spPr>
           <a:xfrm>
-            <a:off x="5936109" y="1109994"/>
-            <a:ext cx="5210175" cy="5591175"/>
+            <a:off x="1183581" y="1980109"/>
+            <a:ext cx="6480000" cy="2952000"/>
           </a:xfrm>
           <a:prstGeom prst="rect">
             <a:avLst/>
@@ -4784,7 +4891,7 @@
         </p:spPr>
         <p:txBody>
           <a:bodyPr>
-            <a:normAutofit fontScale="90000"/>
+            <a:normAutofit/>
           </a:bodyPr>
           <a:lstStyle/>
           <a:p>
@@ -4800,7 +4907,72 @@
                 <a:latin typeface="Noto Sans CJK KR Black" pitchFamily="34" charset="-127"/>
                 <a:ea typeface="Noto Sans CJK KR Black" pitchFamily="34" charset="-127"/>
               </a:rPr>
-              <a:t>2. Time Series Analysis differs from Machine Learning</a:t>
+              <a:t>2. </a:t>
+            </a:r>
+            <a:r>
+              <a:rPr lang="ko-KR" altLang="en-US" sz="4400" dirty="0">
+                <a:solidFill>
+                  <a:schemeClr val="tx1">
+                    <a:lumMod val="75000"/>
+                    <a:lumOff val="25000"/>
+                  </a:schemeClr>
+                </a:solidFill>
+                <a:latin typeface="Noto Sans CJK KR Black" pitchFamily="34" charset="-127"/>
+                <a:ea typeface="Noto Sans CJK KR Black" pitchFamily="34" charset="-127"/>
+              </a:rPr>
+              <a:t>시계열</a:t>
+            </a:r>
+            <a:r>
+              <a:rPr lang="en-US" altLang="ko-KR" sz="4400" dirty="0">
+                <a:solidFill>
+                  <a:schemeClr val="tx1">
+                    <a:lumMod val="75000"/>
+                    <a:lumOff val="25000"/>
+                  </a:schemeClr>
+                </a:solidFill>
+                <a:latin typeface="Noto Sans CJK KR Black" pitchFamily="34" charset="-127"/>
+                <a:ea typeface="Noto Sans CJK KR Black" pitchFamily="34" charset="-127"/>
+              </a:rPr>
+              <a:t> </a:t>
+            </a:r>
+            <a:r>
+              <a:rPr lang="ko-KR" altLang="en-US" sz="4400" dirty="0">
+                <a:solidFill>
+                  <a:schemeClr val="tx1">
+                    <a:lumMod val="75000"/>
+                    <a:lumOff val="25000"/>
+                  </a:schemeClr>
+                </a:solidFill>
+                <a:latin typeface="Noto Sans CJK KR Black" pitchFamily="34" charset="-127"/>
+                <a:ea typeface="Noto Sans CJK KR Black" pitchFamily="34" charset="-127"/>
+              </a:rPr>
+              <a:t>데이터</a:t>
+            </a:r>
+            <a:r>
+              <a:rPr lang="en-US" altLang="ko-KR" sz="4400" dirty="0">
+                <a:solidFill>
+                  <a:schemeClr val="tx1">
+                    <a:lumMod val="75000"/>
+                    <a:lumOff val="25000"/>
+                  </a:schemeClr>
+                </a:solidFill>
+                <a:latin typeface="Noto Sans CJK KR Black" pitchFamily="34" charset="-127"/>
+                <a:ea typeface="Noto Sans CJK KR Black" pitchFamily="34" charset="-127"/>
+              </a:rPr>
+              <a:t>/</a:t>
+            </a:r>
+            <a:r>
+              <a:rPr lang="ko-KR" altLang="en-US" sz="4400" dirty="0">
+                <a:solidFill>
+                  <a:schemeClr val="tx1">
+                    <a:lumMod val="75000"/>
+                    <a:lumOff val="25000"/>
+                  </a:schemeClr>
+                </a:solidFill>
+                <a:latin typeface="Noto Sans CJK KR Black" pitchFamily="34" charset="-127"/>
+                <a:ea typeface="Noto Sans CJK KR Black" pitchFamily="34" charset="-127"/>
+              </a:rPr>
+              <a:t>분석과 기계학습의 차이</a:t>
             </a:r>
             <a:endParaRPr lang="ko-KR" altLang="en-US" sz="4400" dirty="0">
               <a:solidFill>
@@ -4839,10 +5011,10 @@
       </p:sp>
       <p:pic>
         <p:nvPicPr>
-          <p:cNvPr id="4" name="그림 3">
+          <p:cNvPr id="2" name="그림 1">
             <a:extLst>
               <a:ext uri="{FF2B5EF4-FFF2-40B4-BE49-F238E27FC236}">
-                <a16:creationId xmlns:a16="http://schemas.microsoft.com/office/drawing/2014/main" id="{9E507B8F-138B-45E4-BC2F-E669869D4102}"/>
+                <a16:creationId xmlns:a16="http://schemas.microsoft.com/office/drawing/2014/main" id="{EFEA41C3-9509-48ED-8B98-D610C423D891}"/>
               </a:ext>
             </a:extLst>
           </p:cNvPr>
@@ -4859,8 +5031,8 @@
         </p:blipFill>
         <p:spPr>
           <a:xfrm>
-            <a:off x="6080124" y="1109994"/>
-            <a:ext cx="4867275" cy="5600700"/>
+            <a:off x="5579316" y="1296988"/>
+            <a:ext cx="5019675" cy="5543550"/>
           </a:xfrm>
           <a:prstGeom prst="rect">
             <a:avLst/>
@@ -4915,7 +5087,7 @@
         </p:spPr>
         <p:txBody>
           <a:bodyPr>
-            <a:normAutofit fontScale="90000"/>
+            <a:normAutofit/>
           </a:bodyPr>
           <a:lstStyle/>
           <a:p>
@@ -4931,7 +5103,72 @@
                 <a:latin typeface="Noto Sans CJK KR Black" pitchFamily="34" charset="-127"/>
                 <a:ea typeface="Noto Sans CJK KR Black" pitchFamily="34" charset="-127"/>
               </a:rPr>
-              <a:t>2. Time Series Analysis differs from Machine Learning</a:t>
+              <a:t>2. </a:t>
+            </a:r>
+            <a:r>
+              <a:rPr lang="ko-KR" altLang="en-US" sz="4400" dirty="0">
+                <a:solidFill>
+                  <a:schemeClr val="tx1">
+                    <a:lumMod val="75000"/>
+                    <a:lumOff val="25000"/>
+                  </a:schemeClr>
+                </a:solidFill>
+                <a:latin typeface="Noto Sans CJK KR Black" pitchFamily="34" charset="-127"/>
+                <a:ea typeface="Noto Sans CJK KR Black" pitchFamily="34" charset="-127"/>
+              </a:rPr>
+              <a:t>시계열</a:t>
+            </a:r>
+            <a:r>
+              <a:rPr lang="en-US" altLang="ko-KR" sz="4400" dirty="0">
+                <a:solidFill>
+                  <a:schemeClr val="tx1">
+                    <a:lumMod val="75000"/>
+                    <a:lumOff val="25000"/>
+                  </a:schemeClr>
+                </a:solidFill>
+                <a:latin typeface="Noto Sans CJK KR Black" pitchFamily="34" charset="-127"/>
+                <a:ea typeface="Noto Sans CJK KR Black" pitchFamily="34" charset="-127"/>
+              </a:rPr>
+              <a:t> </a:t>
+            </a:r>
+            <a:r>
+              <a:rPr lang="ko-KR" altLang="en-US" sz="4400" dirty="0">
+                <a:solidFill>
+                  <a:schemeClr val="tx1">
+                    <a:lumMod val="75000"/>
+                    <a:lumOff val="25000"/>
+                  </a:schemeClr>
+                </a:solidFill>
+                <a:latin typeface="Noto Sans CJK KR Black" pitchFamily="34" charset="-127"/>
+                <a:ea typeface="Noto Sans CJK KR Black" pitchFamily="34" charset="-127"/>
+              </a:rPr>
+              <a:t>데이터</a:t>
+            </a:r>
+            <a:r>
+              <a:rPr lang="en-US" altLang="ko-KR" sz="4400" dirty="0">
+                <a:solidFill>
+                  <a:schemeClr val="tx1">
+                    <a:lumMod val="75000"/>
+                    <a:lumOff val="25000"/>
+                  </a:schemeClr>
+                </a:solidFill>
+                <a:latin typeface="Noto Sans CJK KR Black" pitchFamily="34" charset="-127"/>
+                <a:ea typeface="Noto Sans CJK KR Black" pitchFamily="34" charset="-127"/>
+              </a:rPr>
+              <a:t>/</a:t>
+            </a:r>
+            <a:r>
+              <a:rPr lang="ko-KR" altLang="en-US" sz="4400" dirty="0">
+                <a:solidFill>
+                  <a:schemeClr val="tx1">
+                    <a:lumMod val="75000"/>
+                    <a:lumOff val="25000"/>
+                  </a:schemeClr>
+                </a:solidFill>
+                <a:latin typeface="Noto Sans CJK KR Black" pitchFamily="34" charset="-127"/>
+                <a:ea typeface="Noto Sans CJK KR Black" pitchFamily="34" charset="-127"/>
+              </a:rPr>
+              <a:t>분석과 기계학습의 차이</a:t>
             </a:r>
             <a:endParaRPr lang="ko-KR" altLang="en-US" sz="4400" dirty="0">
               <a:solidFill>
@@ -4970,10 +5207,10 @@
       </p:sp>
       <p:pic>
         <p:nvPicPr>
-          <p:cNvPr id="2" name="그림 1">
+          <p:cNvPr id="4" name="그림 3">
             <a:extLst>
               <a:ext uri="{FF2B5EF4-FFF2-40B4-BE49-F238E27FC236}">
-                <a16:creationId xmlns:a16="http://schemas.microsoft.com/office/drawing/2014/main" id="{449CE247-462C-47E9-83ED-91DDBCF6C827}"/>
+                <a16:creationId xmlns:a16="http://schemas.microsoft.com/office/drawing/2014/main" id="{5796AB8C-FB02-4461-BB4E-0582F8CC037D}"/>
               </a:ext>
             </a:extLst>
           </p:cNvPr>
@@ -4990,8 +5227,38 @@
         </p:blipFill>
         <p:spPr>
           <a:xfrm>
-            <a:off x="6872213" y="1868906"/>
-            <a:ext cx="3495675" cy="4314825"/>
+            <a:off x="1183581" y="1972048"/>
+            <a:ext cx="3400425" cy="4400550"/>
+          </a:xfrm>
+          <a:prstGeom prst="rect">
+            <a:avLst/>
+          </a:prstGeom>
+        </p:spPr>
+      </p:pic>
+      <p:pic>
+        <p:nvPicPr>
+          <p:cNvPr id="6" name="그림 5">
+            <a:extLst>
+              <a:ext uri="{FF2B5EF4-FFF2-40B4-BE49-F238E27FC236}">
+                <a16:creationId xmlns:a16="http://schemas.microsoft.com/office/drawing/2014/main" id="{4F4FDE62-9179-4934-9AD8-28EC53A59B71}"/>
+              </a:ext>
+            </a:extLst>
+          </p:cNvPr>
+          <p:cNvPicPr>
+            <a:picLocks noChangeAspect="1"/>
+          </p:cNvPicPr>
+          <p:nvPr/>
+        </p:nvPicPr>
+        <p:blipFill>
+          <a:blip r:embed="rId3"/>
+          <a:stretch>
+            <a:fillRect/>
+          </a:stretch>
+        </p:blipFill>
+        <p:spPr>
+          <a:xfrm>
+            <a:off x="6854977" y="2148260"/>
+            <a:ext cx="3714750" cy="4048125"/>
           </a:xfrm>
           <a:prstGeom prst="rect">
             <a:avLst/>
@@ -5028,83 +5295,12 @@
           <a:chExt cx="0" cy="0"/>
         </a:xfrm>
       </p:grpSpPr>
-      <p:sp>
-        <p:nvSpPr>
-          <p:cNvPr id="5" name="제목 4"/>
-          <p:cNvSpPr>
-            <a:spLocks noGrp="1"/>
-          </p:cNvSpPr>
-          <p:nvPr>
-            <p:ph type="title"/>
-          </p:nvPr>
-        </p:nvSpPr>
-        <p:spPr>
-          <a:xfrm>
-            <a:off x="608012" y="539949"/>
-            <a:ext cx="10944225" cy="1140090"/>
-          </a:xfrm>
-        </p:spPr>
-        <p:txBody>
-          <a:bodyPr>
-            <a:normAutofit fontScale="90000"/>
-          </a:bodyPr>
-          <a:lstStyle/>
-          <a:p>
-            <a:pPr algn="l"/>
-            <a:r>
-              <a:rPr lang="en-US" altLang="ko-KR" sz="4400" dirty="0">
-                <a:solidFill>
-                  <a:schemeClr val="tx1">
-                    <a:lumMod val="75000"/>
-                    <a:lumOff val="25000"/>
-                  </a:schemeClr>
-                </a:solidFill>
-                <a:latin typeface="Noto Sans CJK KR Black" pitchFamily="34" charset="-127"/>
-                <a:ea typeface="Noto Sans CJK KR Black" pitchFamily="34" charset="-127"/>
-              </a:rPr>
-              <a:t>2. Time Series Analysis differs from Machine Learning</a:t>
-            </a:r>
-            <a:endParaRPr lang="ko-KR" altLang="en-US" sz="4400" dirty="0">
-              <a:solidFill>
-                <a:schemeClr val="tx1">
-                  <a:lumMod val="75000"/>
-                  <a:lumOff val="25000"/>
-                </a:schemeClr>
-              </a:solidFill>
-            </a:endParaRPr>
-          </a:p>
-        </p:txBody>
-      </p:sp>
-      <p:sp>
-        <p:nvSpPr>
-          <p:cNvPr id="3" name="슬라이드 번호 개체 틀 2"/>
-          <p:cNvSpPr>
-            <a:spLocks noGrp="1"/>
-          </p:cNvSpPr>
-          <p:nvPr>
-            <p:ph type="sldNum" sz="quarter" idx="12"/>
-          </p:nvPr>
-        </p:nvSpPr>
-        <p:spPr/>
-        <p:txBody>
-          <a:bodyPr/>
-          <a:lstStyle/>
-          <a:p>
-            <a:fld id="{6DDAE2C3-1A0B-474A-8CE8-AE55B8D9D4B1}" type="slidenum">
-              <a:rPr lang="ko-KR" altLang="en-US" smtClean="0"/>
-              <a:pPr/>
-              <a:t>16</a:t>
-            </a:fld>
-            <a:endParaRPr lang="ko-KR" altLang="en-US" dirty="0"/>
-          </a:p>
-        </p:txBody>
-      </p:sp>
       <p:pic>
         <p:nvPicPr>
           <p:cNvPr id="4" name="그림 3">
             <a:extLst>
               <a:ext uri="{FF2B5EF4-FFF2-40B4-BE49-F238E27FC236}">
-                <a16:creationId xmlns:a16="http://schemas.microsoft.com/office/drawing/2014/main" id="{DE04D25B-776A-4817-8E48-024D405E747E}"/>
+                <a16:creationId xmlns:a16="http://schemas.microsoft.com/office/drawing/2014/main" id="{C9713387-6E52-4CB2-AE67-B211DA894A8E}"/>
               </a:ext>
             </a:extLst>
           </p:cNvPr>
@@ -5121,18 +5317,179 @@
         </p:blipFill>
         <p:spPr>
           <a:xfrm>
-            <a:off x="6584181" y="1987614"/>
-            <a:ext cx="3752850" cy="4067175"/>
+            <a:off x="5504061" y="0"/>
+            <a:ext cx="6196203" cy="6840538"/>
           </a:xfrm>
           <a:prstGeom prst="rect">
             <a:avLst/>
           </a:prstGeom>
         </p:spPr>
       </p:pic>
+      <p:sp>
+        <p:nvSpPr>
+          <p:cNvPr id="5" name="제목 4"/>
+          <p:cNvSpPr>
+            <a:spLocks noGrp="1"/>
+          </p:cNvSpPr>
+          <p:nvPr>
+            <p:ph type="title"/>
+          </p:nvPr>
+        </p:nvSpPr>
+        <p:spPr>
+          <a:xfrm>
+            <a:off x="608012" y="1056043"/>
+            <a:ext cx="10944225" cy="1140090"/>
+          </a:xfrm>
+        </p:spPr>
+        <p:txBody>
+          <a:bodyPr>
+            <a:normAutofit fontScale="90000"/>
+          </a:bodyPr>
+          <a:lstStyle/>
+          <a:p>
+            <a:pPr algn="l"/>
+            <a:r>
+              <a:rPr lang="en-US" altLang="ko-KR" sz="4400" dirty="0">
+                <a:solidFill>
+                  <a:schemeClr val="tx1">
+                    <a:lumMod val="75000"/>
+                    <a:lumOff val="25000"/>
+                  </a:schemeClr>
+                </a:solidFill>
+                <a:latin typeface="Noto Sans CJK KR Black" pitchFamily="34" charset="-127"/>
+                <a:ea typeface="Noto Sans CJK KR Black" pitchFamily="34" charset="-127"/>
+              </a:rPr>
+              <a:t>2. </a:t>
+            </a:r>
+            <a:r>
+              <a:rPr lang="ko-KR" altLang="en-US" sz="4400" dirty="0">
+                <a:solidFill>
+                  <a:schemeClr val="tx1">
+                    <a:lumMod val="75000"/>
+                    <a:lumOff val="25000"/>
+                  </a:schemeClr>
+                </a:solidFill>
+                <a:latin typeface="Noto Sans CJK KR Black" pitchFamily="34" charset="-127"/>
+                <a:ea typeface="Noto Sans CJK KR Black" pitchFamily="34" charset="-127"/>
+              </a:rPr>
+              <a:t>시계열</a:t>
+            </a:r>
+            <a:r>
+              <a:rPr lang="en-US" altLang="ko-KR" sz="4400" dirty="0">
+                <a:solidFill>
+                  <a:schemeClr val="tx1">
+                    <a:lumMod val="75000"/>
+                    <a:lumOff val="25000"/>
+                  </a:schemeClr>
+                </a:solidFill>
+                <a:latin typeface="Noto Sans CJK KR Black" pitchFamily="34" charset="-127"/>
+                <a:ea typeface="Noto Sans CJK KR Black" pitchFamily="34" charset="-127"/>
+              </a:rPr>
+              <a:t> </a:t>
+            </a:r>
+            <a:r>
+              <a:rPr lang="ko-KR" altLang="en-US" sz="4400" dirty="0">
+                <a:solidFill>
+                  <a:schemeClr val="tx1">
+                    <a:lumMod val="75000"/>
+                    <a:lumOff val="25000"/>
+                  </a:schemeClr>
+                </a:solidFill>
+                <a:latin typeface="Noto Sans CJK KR Black" pitchFamily="34" charset="-127"/>
+                <a:ea typeface="Noto Sans CJK KR Black" pitchFamily="34" charset="-127"/>
+              </a:rPr>
+              <a:t>데이터</a:t>
+            </a:r>
+            <a:r>
+              <a:rPr lang="en-US" altLang="ko-KR" sz="4400" dirty="0">
+                <a:solidFill>
+                  <a:schemeClr val="tx1">
+                    <a:lumMod val="75000"/>
+                    <a:lumOff val="25000"/>
+                  </a:schemeClr>
+                </a:solidFill>
+                <a:latin typeface="Noto Sans CJK KR Black" pitchFamily="34" charset="-127"/>
+                <a:ea typeface="Noto Sans CJK KR Black" pitchFamily="34" charset="-127"/>
+              </a:rPr>
+              <a:t>/</a:t>
+            </a:r>
+            <a:r>
+              <a:rPr lang="ko-KR" altLang="en-US" sz="4400" dirty="0">
+                <a:solidFill>
+                  <a:schemeClr val="tx1">
+                    <a:lumMod val="75000"/>
+                    <a:lumOff val="25000"/>
+                  </a:schemeClr>
+                </a:solidFill>
+                <a:latin typeface="Noto Sans CJK KR Black" pitchFamily="34" charset="-127"/>
+                <a:ea typeface="Noto Sans CJK KR Black" pitchFamily="34" charset="-127"/>
+              </a:rPr>
+              <a:t>분석과 </a:t>
+            </a:r>
+            <a:br>
+              <a:rPr lang="en-US" altLang="ko-KR" sz="4400" dirty="0">
+                <a:solidFill>
+                  <a:schemeClr val="tx1">
+                    <a:lumMod val="75000"/>
+                    <a:lumOff val="25000"/>
+                  </a:schemeClr>
+                </a:solidFill>
+                <a:latin typeface="Noto Sans CJK KR Black" pitchFamily="34" charset="-127"/>
+                <a:ea typeface="Noto Sans CJK KR Black" pitchFamily="34" charset="-127"/>
+              </a:rPr>
+            </a:br>
+            <a:r>
+              <a:rPr lang="ko-KR" altLang="en-US" sz="4400" dirty="0">
+                <a:solidFill>
+                  <a:schemeClr val="tx1">
+                    <a:lumMod val="75000"/>
+                    <a:lumOff val="25000"/>
+                  </a:schemeClr>
+                </a:solidFill>
+                <a:latin typeface="Noto Sans CJK KR Black" pitchFamily="34" charset="-127"/>
+                <a:ea typeface="Noto Sans CJK KR Black" pitchFamily="34" charset="-127"/>
+              </a:rPr>
+              <a:t>기계학습의 차이</a:t>
+            </a:r>
+            <a:endParaRPr lang="ko-KR" altLang="en-US" sz="4400" dirty="0">
+              <a:solidFill>
+                <a:schemeClr val="tx1">
+                  <a:lumMod val="75000"/>
+                  <a:lumOff val="25000"/>
+                </a:schemeClr>
+              </a:solidFill>
+            </a:endParaRPr>
+          </a:p>
+        </p:txBody>
+      </p:sp>
+      <p:sp>
+        <p:nvSpPr>
+          <p:cNvPr id="3" name="슬라이드 번호 개체 틀 2"/>
+          <p:cNvSpPr>
+            <a:spLocks noGrp="1"/>
+          </p:cNvSpPr>
+          <p:nvPr>
+            <p:ph type="sldNum" sz="quarter" idx="12"/>
+          </p:nvPr>
+        </p:nvSpPr>
+        <p:spPr/>
+        <p:txBody>
+          <a:bodyPr/>
+          <a:lstStyle/>
+          <a:p>
+            <a:fld id="{6DDAE2C3-1A0B-474A-8CE8-AE55B8D9D4B1}" type="slidenum">
+              <a:rPr lang="ko-KR" altLang="en-US" smtClean="0"/>
+              <a:pPr/>
+              <a:t>16</a:t>
+            </a:fld>
+            <a:endParaRPr lang="ko-KR" altLang="en-US" dirty="0"/>
+          </a:p>
+        </p:txBody>
+      </p:sp>
     </p:spTree>
     <p:extLst>
       <p:ext uri="{BB962C8B-B14F-4D97-AF65-F5344CB8AC3E}">
-        <p14:creationId xmlns:p14="http://schemas.microsoft.com/office/powerpoint/2010/main" val="2152493907"/>
+        <p14:creationId xmlns:p14="http://schemas.microsoft.com/office/powerpoint/2010/main" val="3813635399"/>
       </p:ext>
     </p:extLst>
   </p:cSld>
@@ -5171,13 +5528,13 @@
         </p:nvSpPr>
         <p:spPr>
           <a:xfrm>
-            <a:off x="608012" y="1056043"/>
+            <a:off x="608012" y="539949"/>
             <a:ext cx="10944225" cy="1140090"/>
           </a:xfrm>
         </p:spPr>
         <p:txBody>
           <a:bodyPr>
-            <a:normAutofit fontScale="90000"/>
+            <a:normAutofit/>
           </a:bodyPr>
           <a:lstStyle/>
           <a:p>
@@ -5193,9 +5550,22 @@
                 <a:latin typeface="Noto Sans CJK KR Black" pitchFamily="34" charset="-127"/>
                 <a:ea typeface="Noto Sans CJK KR Black" pitchFamily="34" charset="-127"/>
               </a:rPr>
-              <a:t>2. Time Series Analysis </a:t>
-            </a:r>
-            <a:br>
+              <a:t>2. </a:t>
+            </a:r>
+            <a:r>
+              <a:rPr lang="ko-KR" altLang="en-US" sz="4400" dirty="0">
+                <a:solidFill>
+                  <a:schemeClr val="tx1">
+                    <a:lumMod val="75000"/>
+                    <a:lumOff val="25000"/>
+                  </a:schemeClr>
+                </a:solidFill>
+                <a:latin typeface="Noto Sans CJK KR Black" pitchFamily="34" charset="-127"/>
+                <a:ea typeface="Noto Sans CJK KR Black" pitchFamily="34" charset="-127"/>
+              </a:rPr>
+              <a:t>시계열</a:t>
+            </a:r>
+            <a:r>
               <a:rPr lang="en-US" altLang="ko-KR" sz="4400" dirty="0">
                 <a:solidFill>
                   <a:schemeClr val="tx1">
@@ -5206,7 +5576,21 @@
                 <a:latin typeface="Noto Sans CJK KR Black" pitchFamily="34" charset="-127"/>
                 <a:ea typeface="Noto Sans CJK KR Black" pitchFamily="34" charset="-127"/>
               </a:rPr>
-            </a:br>
+              <a:t> </a:t>
+            </a:r>
+            <a:r>
+              <a:rPr lang="ko-KR" altLang="en-US" sz="4400" dirty="0">
+                <a:solidFill>
+                  <a:schemeClr val="tx1">
+                    <a:lumMod val="75000"/>
+                    <a:lumOff val="25000"/>
+                  </a:schemeClr>
+                </a:solidFill>
+                <a:latin typeface="Noto Sans CJK KR Black" pitchFamily="34" charset="-127"/>
+                <a:ea typeface="Noto Sans CJK KR Black" pitchFamily="34" charset="-127"/>
+              </a:rPr>
+              <a:t>데이터</a:t>
+            </a:r>
             <a:r>
               <a:rPr lang="en-US" altLang="ko-KR" sz="4400" dirty="0">
                 <a:solidFill>
@@ -5218,32 +5602,20 @@
                 <a:latin typeface="Noto Sans CJK KR Black" pitchFamily="34" charset="-127"/>
                 <a:ea typeface="Noto Sans CJK KR Black" pitchFamily="34" charset="-127"/>
               </a:rPr>
-              <a:t>differs from </a:t>
-            </a:r>
-            <a:br>
-              <a:rPr lang="en-US" altLang="ko-KR" sz="4400" dirty="0">
-                <a:solidFill>
-                  <a:schemeClr val="tx1">
-                    <a:lumMod val="75000"/>
-                    <a:lumOff val="25000"/>
-                  </a:schemeClr>
-                </a:solidFill>
-                <a:latin typeface="Noto Sans CJK KR Black" pitchFamily="34" charset="-127"/>
-                <a:ea typeface="Noto Sans CJK KR Black" pitchFamily="34" charset="-127"/>
-              </a:rPr>
-            </a:br>
-            <a:r>
-              <a:rPr lang="en-US" altLang="ko-KR" sz="4400" dirty="0">
-                <a:solidFill>
-                  <a:schemeClr val="tx1">
-                    <a:lumMod val="75000"/>
-                    <a:lumOff val="25000"/>
-                  </a:schemeClr>
-                </a:solidFill>
-                <a:latin typeface="Noto Sans CJK KR Black" pitchFamily="34" charset="-127"/>
-                <a:ea typeface="Noto Sans CJK KR Black" pitchFamily="34" charset="-127"/>
-              </a:rPr>
-              <a:t>Machine Learning</a:t>
+              <a:t>/</a:t>
+            </a:r>
+            <a:r>
+              <a:rPr lang="ko-KR" altLang="en-US" sz="4400" dirty="0">
+                <a:solidFill>
+                  <a:schemeClr val="tx1">
+                    <a:lumMod val="75000"/>
+                    <a:lumOff val="25000"/>
+                  </a:schemeClr>
+                </a:solidFill>
+                <a:latin typeface="Noto Sans CJK KR Black" pitchFamily="34" charset="-127"/>
+                <a:ea typeface="Noto Sans CJK KR Black" pitchFamily="34" charset="-127"/>
+              </a:rPr>
+              <a:t>분석과 기계학습의 차이</a:t>
             </a:r>
             <a:endParaRPr lang="ko-KR" altLang="en-US" sz="4400" dirty="0">
               <a:solidFill>
@@ -5282,10 +5654,10 @@
       </p:sp>
       <p:pic>
         <p:nvPicPr>
-          <p:cNvPr id="2" name="그림 1">
+          <p:cNvPr id="8" name="그림 7">
             <a:extLst>
               <a:ext uri="{FF2B5EF4-FFF2-40B4-BE49-F238E27FC236}">
-                <a16:creationId xmlns:a16="http://schemas.microsoft.com/office/drawing/2014/main" id="{411969BA-7225-4B05-8BCB-67E39F802DC9}"/>
+                <a16:creationId xmlns:a16="http://schemas.microsoft.com/office/drawing/2014/main" id="{C8F30B1B-CB0E-42A4-BA8F-567898777D58}"/>
               </a:ext>
             </a:extLst>
           </p:cNvPr>
@@ -5302,8 +5674,38 @@
         </p:blipFill>
         <p:spPr>
           <a:xfrm>
-            <a:off x="6943519" y="0"/>
-            <a:ext cx="4434319" cy="6840538"/>
+            <a:off x="967557" y="2247731"/>
+            <a:ext cx="4676775" cy="3533775"/>
+          </a:xfrm>
+          <a:prstGeom prst="rect">
+            <a:avLst/>
+          </a:prstGeom>
+        </p:spPr>
+      </p:pic>
+      <p:pic>
+        <p:nvPicPr>
+          <p:cNvPr id="9" name="그림 8">
+            <a:extLst>
+              <a:ext uri="{FF2B5EF4-FFF2-40B4-BE49-F238E27FC236}">
+                <a16:creationId xmlns:a16="http://schemas.microsoft.com/office/drawing/2014/main" id="{F42D7545-5AD7-44F6-A4B1-2C6F6581202C}"/>
+              </a:ext>
+            </a:extLst>
+          </p:cNvPr>
+          <p:cNvPicPr>
+            <a:picLocks noChangeAspect="1"/>
+          </p:cNvPicPr>
+          <p:nvPr/>
+        </p:nvPicPr>
+        <p:blipFill>
+          <a:blip r:embed="rId3"/>
+          <a:stretch>
+            <a:fillRect/>
+          </a:stretch>
+        </p:blipFill>
+        <p:spPr>
+          <a:xfrm>
+            <a:off x="6486301" y="2449931"/>
+            <a:ext cx="4533900" cy="3152775"/>
           </a:xfrm>
           <a:prstGeom prst="rect">
             <a:avLst/>
@@ -5313,7 +5715,7 @@
     </p:spTree>
     <p:extLst>
       <p:ext uri="{BB962C8B-B14F-4D97-AF65-F5344CB8AC3E}">
-        <p14:creationId xmlns:p14="http://schemas.microsoft.com/office/powerpoint/2010/main" val="3813635399"/>
+        <p14:creationId xmlns:p14="http://schemas.microsoft.com/office/powerpoint/2010/main" val="3297321070"/>
       </p:ext>
     </p:extLst>
   </p:cSld>
@@ -5358,7 +5760,7 @@
         </p:spPr>
         <p:txBody>
           <a:bodyPr>
-            <a:normAutofit fontScale="90000"/>
+            <a:normAutofit/>
           </a:bodyPr>
           <a:lstStyle/>
           <a:p>
@@ -5374,7 +5776,72 @@
                 <a:latin typeface="Noto Sans CJK KR Black" pitchFamily="34" charset="-127"/>
                 <a:ea typeface="Noto Sans CJK KR Black" pitchFamily="34" charset="-127"/>
               </a:rPr>
-              <a:t>2. Time Series Analysis differs from Machine Learning</a:t>
+              <a:t>2. </a:t>
+            </a:r>
+            <a:r>
+              <a:rPr lang="ko-KR" altLang="en-US" sz="4400" dirty="0">
+                <a:solidFill>
+                  <a:schemeClr val="tx1">
+                    <a:lumMod val="75000"/>
+                    <a:lumOff val="25000"/>
+                  </a:schemeClr>
+                </a:solidFill>
+                <a:latin typeface="Noto Sans CJK KR Black" pitchFamily="34" charset="-127"/>
+                <a:ea typeface="Noto Sans CJK KR Black" pitchFamily="34" charset="-127"/>
+              </a:rPr>
+              <a:t>시계열</a:t>
+            </a:r>
+            <a:r>
+              <a:rPr lang="en-US" altLang="ko-KR" sz="4400" dirty="0">
+                <a:solidFill>
+                  <a:schemeClr val="tx1">
+                    <a:lumMod val="75000"/>
+                    <a:lumOff val="25000"/>
+                  </a:schemeClr>
+                </a:solidFill>
+                <a:latin typeface="Noto Sans CJK KR Black" pitchFamily="34" charset="-127"/>
+                <a:ea typeface="Noto Sans CJK KR Black" pitchFamily="34" charset="-127"/>
+              </a:rPr>
+              <a:t> </a:t>
+            </a:r>
+            <a:r>
+              <a:rPr lang="ko-KR" altLang="en-US" sz="4400" dirty="0">
+                <a:solidFill>
+                  <a:schemeClr val="tx1">
+                    <a:lumMod val="75000"/>
+                    <a:lumOff val="25000"/>
+                  </a:schemeClr>
+                </a:solidFill>
+                <a:latin typeface="Noto Sans CJK KR Black" pitchFamily="34" charset="-127"/>
+                <a:ea typeface="Noto Sans CJK KR Black" pitchFamily="34" charset="-127"/>
+              </a:rPr>
+              <a:t>데이터</a:t>
+            </a:r>
+            <a:r>
+              <a:rPr lang="en-US" altLang="ko-KR" sz="4400" dirty="0">
+                <a:solidFill>
+                  <a:schemeClr val="tx1">
+                    <a:lumMod val="75000"/>
+                    <a:lumOff val="25000"/>
+                  </a:schemeClr>
+                </a:solidFill>
+                <a:latin typeface="Noto Sans CJK KR Black" pitchFamily="34" charset="-127"/>
+                <a:ea typeface="Noto Sans CJK KR Black" pitchFamily="34" charset="-127"/>
+              </a:rPr>
+              <a:t>/</a:t>
+            </a:r>
+            <a:r>
+              <a:rPr lang="ko-KR" altLang="en-US" sz="4400" dirty="0">
+                <a:solidFill>
+                  <a:schemeClr val="tx1">
+                    <a:lumMod val="75000"/>
+                    <a:lumOff val="25000"/>
+                  </a:schemeClr>
+                </a:solidFill>
+                <a:latin typeface="Noto Sans CJK KR Black" pitchFamily="34" charset="-127"/>
+                <a:ea typeface="Noto Sans CJK KR Black" pitchFamily="34" charset="-127"/>
+              </a:rPr>
+              <a:t>분석과 기계학습의 차이</a:t>
             </a:r>
             <a:endParaRPr lang="ko-KR" altLang="en-US" sz="4400" dirty="0">
               <a:solidFill>
@@ -5416,7 +5883,7 @@
           <p:cNvPr id="2" name="그림 1">
             <a:extLst>
               <a:ext uri="{FF2B5EF4-FFF2-40B4-BE49-F238E27FC236}">
-                <a16:creationId xmlns:a16="http://schemas.microsoft.com/office/drawing/2014/main" id="{D9521157-B092-4AF4-BB81-3F1C1CEE0248}"/>
+                <a16:creationId xmlns:a16="http://schemas.microsoft.com/office/drawing/2014/main" id="{94B69CAE-7DDB-4FDC-9953-E5FE3997188C}"/>
               </a:ext>
             </a:extLst>
           </p:cNvPr>
@@ -5433,38 +5900,8 @@
         </p:blipFill>
         <p:spPr>
           <a:xfrm>
-            <a:off x="895549" y="2124125"/>
-            <a:ext cx="4943475" cy="4048125"/>
-          </a:xfrm>
-          <a:prstGeom prst="rect">
-            <a:avLst/>
-          </a:prstGeom>
-        </p:spPr>
-      </p:pic>
-      <p:pic>
-        <p:nvPicPr>
-          <p:cNvPr id="7" name="그림 6">
-            <a:extLst>
-              <a:ext uri="{FF2B5EF4-FFF2-40B4-BE49-F238E27FC236}">
-                <a16:creationId xmlns:a16="http://schemas.microsoft.com/office/drawing/2014/main" id="{1CE494CC-4B37-491E-AB44-E8AEB30FCFCB}"/>
-              </a:ext>
-            </a:extLst>
-          </p:cNvPr>
-          <p:cNvPicPr>
-            <a:picLocks noChangeAspect="1"/>
-          </p:cNvPicPr>
-          <p:nvPr/>
-        </p:nvPicPr>
-        <p:blipFill>
-          <a:blip r:embed="rId3"/>
-          <a:stretch>
-            <a:fillRect/>
-          </a:stretch>
-        </p:blipFill>
-        <p:spPr>
-          <a:xfrm>
-            <a:off x="6529156" y="2392781"/>
-            <a:ext cx="4762500" cy="3267075"/>
+            <a:off x="2840124" y="2247555"/>
+            <a:ext cx="6480000" cy="4053034"/>
           </a:xfrm>
           <a:prstGeom prst="rect">
             <a:avLst/>
@@ -5474,7 +5911,7 @@
     </p:spTree>
     <p:extLst>
       <p:ext uri="{BB962C8B-B14F-4D97-AF65-F5344CB8AC3E}">
-        <p14:creationId xmlns:p14="http://schemas.microsoft.com/office/powerpoint/2010/main" val="3297321070"/>
+        <p14:creationId xmlns:p14="http://schemas.microsoft.com/office/powerpoint/2010/main" val="2400184852"/>
       </p:ext>
     </p:extLst>
   </p:cSld>
@@ -5535,7 +5972,97 @@
                 <a:latin typeface="Noto Sans CJK KR Black" pitchFamily="34" charset="-127"/>
                 <a:ea typeface="Noto Sans CJK KR Black" pitchFamily="34" charset="-127"/>
               </a:rPr>
-              <a:t>2. Time Series Analysis differs from Machine Learning</a:t>
+              <a:t>2. </a:t>
+            </a:r>
+            <a:r>
+              <a:rPr lang="ko-KR" altLang="en-US" sz="4400" dirty="0">
+                <a:solidFill>
+                  <a:schemeClr val="tx1">
+                    <a:lumMod val="75000"/>
+                    <a:lumOff val="25000"/>
+                  </a:schemeClr>
+                </a:solidFill>
+                <a:latin typeface="Noto Sans CJK KR Black" pitchFamily="34" charset="-127"/>
+                <a:ea typeface="Noto Sans CJK KR Black" pitchFamily="34" charset="-127"/>
+              </a:rPr>
+              <a:t>시계열</a:t>
+            </a:r>
+            <a:r>
+              <a:rPr lang="en-US" altLang="ko-KR" sz="4400" dirty="0">
+                <a:solidFill>
+                  <a:schemeClr val="tx1">
+                    <a:lumMod val="75000"/>
+                    <a:lumOff val="25000"/>
+                  </a:schemeClr>
+                </a:solidFill>
+                <a:latin typeface="Noto Sans CJK KR Black" pitchFamily="34" charset="-127"/>
+                <a:ea typeface="Noto Sans CJK KR Black" pitchFamily="34" charset="-127"/>
+              </a:rPr>
+              <a:t> </a:t>
+            </a:r>
+            <a:r>
+              <a:rPr lang="ko-KR" altLang="en-US" sz="4400" dirty="0">
+                <a:solidFill>
+                  <a:schemeClr val="tx1">
+                    <a:lumMod val="75000"/>
+                    <a:lumOff val="25000"/>
+                  </a:schemeClr>
+                </a:solidFill>
+                <a:latin typeface="Noto Sans CJK KR Black" pitchFamily="34" charset="-127"/>
+                <a:ea typeface="Noto Sans CJK KR Black" pitchFamily="34" charset="-127"/>
+              </a:rPr>
+              <a:t>데이터</a:t>
+            </a:r>
+            <a:r>
+              <a:rPr lang="en-US" altLang="ko-KR" sz="4400" dirty="0">
+                <a:solidFill>
+                  <a:schemeClr val="tx1">
+                    <a:lumMod val="75000"/>
+                    <a:lumOff val="25000"/>
+                  </a:schemeClr>
+                </a:solidFill>
+                <a:latin typeface="Noto Sans CJK KR Black" pitchFamily="34" charset="-127"/>
+                <a:ea typeface="Noto Sans CJK KR Black" pitchFamily="34" charset="-127"/>
+              </a:rPr>
+              <a:t>/</a:t>
+            </a:r>
+            <a:r>
+              <a:rPr lang="ko-KR" altLang="en-US" sz="4400" dirty="0">
+                <a:solidFill>
+                  <a:schemeClr val="tx1">
+                    <a:lumMod val="75000"/>
+                    <a:lumOff val="25000"/>
+                  </a:schemeClr>
+                </a:solidFill>
+                <a:latin typeface="Noto Sans CJK KR Black" pitchFamily="34" charset="-127"/>
+                <a:ea typeface="Noto Sans CJK KR Black" pitchFamily="34" charset="-127"/>
+              </a:rPr>
+              <a:t>분석과 </a:t>
+            </a:r>
+            <a:br>
+              <a:rPr lang="en-US" altLang="ko-KR" sz="4400" dirty="0">
+                <a:solidFill>
+                  <a:schemeClr val="tx1">
+                    <a:lumMod val="75000"/>
+                    <a:lumOff val="25000"/>
+                  </a:schemeClr>
+                </a:solidFill>
+                <a:latin typeface="Noto Sans CJK KR Black" pitchFamily="34" charset="-127"/>
+                <a:ea typeface="Noto Sans CJK KR Black" pitchFamily="34" charset="-127"/>
+              </a:rPr>
+            </a:br>
+            <a:r>
+              <a:rPr lang="ko-KR" altLang="en-US" sz="4400" dirty="0">
+                <a:solidFill>
+                  <a:schemeClr val="tx1">
+                    <a:lumMod val="75000"/>
+                    <a:lumOff val="25000"/>
+                  </a:schemeClr>
+                </a:solidFill>
+                <a:latin typeface="Noto Sans CJK KR Black" pitchFamily="34" charset="-127"/>
+                <a:ea typeface="Noto Sans CJK KR Black" pitchFamily="34" charset="-127"/>
+              </a:rPr>
+              <a:t>기계학습의 차이</a:t>
             </a:r>
             <a:endParaRPr lang="ko-KR" altLang="en-US" sz="4400" dirty="0">
               <a:solidFill>
@@ -5574,10 +6101,10 @@
       </p:sp>
       <p:pic>
         <p:nvPicPr>
-          <p:cNvPr id="6" name="그림 5">
+          <p:cNvPr id="4" name="그림 3">
             <a:extLst>
               <a:ext uri="{FF2B5EF4-FFF2-40B4-BE49-F238E27FC236}">
-                <a16:creationId xmlns:a16="http://schemas.microsoft.com/office/drawing/2014/main" id="{8C73DB21-2562-4BB2-BDE0-68EC0C3D155E}"/>
+                <a16:creationId xmlns:a16="http://schemas.microsoft.com/office/drawing/2014/main" id="{5D43471B-9DB0-42DF-8607-57A7D1747D7F}"/>
               </a:ext>
             </a:extLst>
           </p:cNvPr>
@@ -5594,8 +6121,8 @@
         </p:blipFill>
         <p:spPr>
           <a:xfrm>
-            <a:off x="5720085" y="2377687"/>
-            <a:ext cx="5086350" cy="3305175"/>
+            <a:off x="5864101" y="1212293"/>
+            <a:ext cx="5105400" cy="5524500"/>
           </a:xfrm>
           <a:prstGeom prst="rect">
             <a:avLst/>
@@ -5605,7 +6132,7 @@
     </p:spTree>
     <p:extLst>
       <p:ext uri="{BB962C8B-B14F-4D97-AF65-F5344CB8AC3E}">
-        <p14:creationId xmlns:p14="http://schemas.microsoft.com/office/powerpoint/2010/main" val="2400184852"/>
+        <p14:creationId xmlns:p14="http://schemas.microsoft.com/office/powerpoint/2010/main" val="3030293128"/>
       </p:ext>
     </p:extLst>
   </p:cSld>
@@ -5817,7 +6344,7 @@
         </p:nvSpPr>
         <p:spPr>
           <a:xfrm>
-            <a:off x="608012" y="539949"/>
+            <a:off x="608012" y="912027"/>
             <a:ext cx="10944225" cy="1140090"/>
           </a:xfrm>
         </p:spPr>
@@ -5839,7 +6366,97 @@
                 <a:latin typeface="Noto Sans CJK KR Black" pitchFamily="34" charset="-127"/>
                 <a:ea typeface="Noto Sans CJK KR Black" pitchFamily="34" charset="-127"/>
               </a:rPr>
-              <a:t>2. Time Series Analysis differs from Machine Learning</a:t>
+              <a:t>2. </a:t>
+            </a:r>
+            <a:r>
+              <a:rPr lang="ko-KR" altLang="en-US" sz="4400" dirty="0">
+                <a:solidFill>
+                  <a:schemeClr val="tx1">
+                    <a:lumMod val="75000"/>
+                    <a:lumOff val="25000"/>
+                  </a:schemeClr>
+                </a:solidFill>
+                <a:latin typeface="Noto Sans CJK KR Black" pitchFamily="34" charset="-127"/>
+                <a:ea typeface="Noto Sans CJK KR Black" pitchFamily="34" charset="-127"/>
+              </a:rPr>
+              <a:t>시계열</a:t>
+            </a:r>
+            <a:r>
+              <a:rPr lang="en-US" altLang="ko-KR" sz="4400" dirty="0">
+                <a:solidFill>
+                  <a:schemeClr val="tx1">
+                    <a:lumMod val="75000"/>
+                    <a:lumOff val="25000"/>
+                  </a:schemeClr>
+                </a:solidFill>
+                <a:latin typeface="Noto Sans CJK KR Black" pitchFamily="34" charset="-127"/>
+                <a:ea typeface="Noto Sans CJK KR Black" pitchFamily="34" charset="-127"/>
+              </a:rPr>
+              <a:t> </a:t>
+            </a:r>
+            <a:r>
+              <a:rPr lang="ko-KR" altLang="en-US" sz="4400" dirty="0">
+                <a:solidFill>
+                  <a:schemeClr val="tx1">
+                    <a:lumMod val="75000"/>
+                    <a:lumOff val="25000"/>
+                  </a:schemeClr>
+                </a:solidFill>
+                <a:latin typeface="Noto Sans CJK KR Black" pitchFamily="34" charset="-127"/>
+                <a:ea typeface="Noto Sans CJK KR Black" pitchFamily="34" charset="-127"/>
+              </a:rPr>
+              <a:t>데이터</a:t>
+            </a:r>
+            <a:r>
+              <a:rPr lang="en-US" altLang="ko-KR" sz="4400" dirty="0">
+                <a:solidFill>
+                  <a:schemeClr val="tx1">
+                    <a:lumMod val="75000"/>
+                    <a:lumOff val="25000"/>
+                  </a:schemeClr>
+                </a:solidFill>
+                <a:latin typeface="Noto Sans CJK KR Black" pitchFamily="34" charset="-127"/>
+                <a:ea typeface="Noto Sans CJK KR Black" pitchFamily="34" charset="-127"/>
+              </a:rPr>
+              <a:t>/</a:t>
+            </a:r>
+            <a:r>
+              <a:rPr lang="ko-KR" altLang="en-US" sz="4400" dirty="0">
+                <a:solidFill>
+                  <a:schemeClr val="tx1">
+                    <a:lumMod val="75000"/>
+                    <a:lumOff val="25000"/>
+                  </a:schemeClr>
+                </a:solidFill>
+                <a:latin typeface="Noto Sans CJK KR Black" pitchFamily="34" charset="-127"/>
+                <a:ea typeface="Noto Sans CJK KR Black" pitchFamily="34" charset="-127"/>
+              </a:rPr>
+              <a:t>분석과 </a:t>
+            </a:r>
+            <a:br>
+              <a:rPr lang="en-US" altLang="ko-KR" sz="4400" dirty="0">
+                <a:solidFill>
+                  <a:schemeClr val="tx1">
+                    <a:lumMod val="75000"/>
+                    <a:lumOff val="25000"/>
+                  </a:schemeClr>
+                </a:solidFill>
+                <a:latin typeface="Noto Sans CJK KR Black" pitchFamily="34" charset="-127"/>
+                <a:ea typeface="Noto Sans CJK KR Black" pitchFamily="34" charset="-127"/>
+              </a:rPr>
+            </a:br>
+            <a:r>
+              <a:rPr lang="ko-KR" altLang="en-US" sz="4400" dirty="0">
+                <a:solidFill>
+                  <a:schemeClr val="tx1">
+                    <a:lumMod val="75000"/>
+                    <a:lumOff val="25000"/>
+                  </a:schemeClr>
+                </a:solidFill>
+                <a:latin typeface="Noto Sans CJK KR Black" pitchFamily="34" charset="-127"/>
+                <a:ea typeface="Noto Sans CJK KR Black" pitchFamily="34" charset="-127"/>
+              </a:rPr>
+              <a:t>기계학습의 차이</a:t>
             </a:r>
             <a:endParaRPr lang="ko-KR" altLang="en-US" sz="4400" dirty="0">
               <a:solidFill>
@@ -5881,7 +6498,7 @@
           <p:cNvPr id="2" name="그림 1">
             <a:extLst>
               <a:ext uri="{FF2B5EF4-FFF2-40B4-BE49-F238E27FC236}">
-                <a16:creationId xmlns:a16="http://schemas.microsoft.com/office/drawing/2014/main" id="{A538E1FB-68AB-491F-BD8B-3B615DE8CE2B}"/>
+                <a16:creationId xmlns:a16="http://schemas.microsoft.com/office/drawing/2014/main" id="{4993DD3E-436E-47AE-B209-A8180538F16D}"/>
               </a:ext>
             </a:extLst>
           </p:cNvPr>
@@ -5898,8 +6515,8 @@
         </p:blipFill>
         <p:spPr>
           <a:xfrm>
-            <a:off x="6080124" y="1292494"/>
-            <a:ext cx="5038725" cy="5191125"/>
+            <a:off x="6800205" y="514723"/>
+            <a:ext cx="4991100" cy="5857875"/>
           </a:xfrm>
           <a:prstGeom prst="rect">
             <a:avLst/>
@@ -5909,7 +6526,7 @@
     </p:spTree>
     <p:extLst>
       <p:ext uri="{BB962C8B-B14F-4D97-AF65-F5344CB8AC3E}">
-        <p14:creationId xmlns:p14="http://schemas.microsoft.com/office/powerpoint/2010/main" val="3030293128"/>
+        <p14:creationId xmlns:p14="http://schemas.microsoft.com/office/powerpoint/2010/main" val="2410963623"/>
       </p:ext>
     </p:extLst>
   </p:cSld>
@@ -5948,13 +6565,13 @@
         </p:nvSpPr>
         <p:spPr>
           <a:xfrm>
-            <a:off x="608012" y="912027"/>
+            <a:off x="608012" y="539949"/>
             <a:ext cx="10944225" cy="1140090"/>
           </a:xfrm>
         </p:spPr>
         <p:txBody>
           <a:bodyPr>
-            <a:normAutofit fontScale="90000"/>
+            <a:normAutofit/>
           </a:bodyPr>
           <a:lstStyle/>
           <a:p>
@@ -5970,9 +6587,22 @@
                 <a:latin typeface="Noto Sans CJK KR Black" pitchFamily="34" charset="-127"/>
                 <a:ea typeface="Noto Sans CJK KR Black" pitchFamily="34" charset="-127"/>
               </a:rPr>
-              <a:t>2. Time Series Analysis</a:t>
-            </a:r>
-            <a:br>
+              <a:t>2. </a:t>
+            </a:r>
+            <a:r>
+              <a:rPr lang="ko-KR" altLang="en-US" sz="4400" dirty="0">
+                <a:solidFill>
+                  <a:schemeClr val="tx1">
+                    <a:lumMod val="75000"/>
+                    <a:lumOff val="25000"/>
+                  </a:schemeClr>
+                </a:solidFill>
+                <a:latin typeface="Noto Sans CJK KR Black" pitchFamily="34" charset="-127"/>
+                <a:ea typeface="Noto Sans CJK KR Black" pitchFamily="34" charset="-127"/>
+              </a:rPr>
+              <a:t>시계열</a:t>
+            </a:r>
+            <a:r>
               <a:rPr lang="en-US" altLang="ko-KR" sz="4400" dirty="0">
                 <a:solidFill>
                   <a:schemeClr val="tx1">
@@ -5983,7 +6613,21 @@
                 <a:latin typeface="Noto Sans CJK KR Black" pitchFamily="34" charset="-127"/>
                 <a:ea typeface="Noto Sans CJK KR Black" pitchFamily="34" charset="-127"/>
               </a:rPr>
-            </a:br>
+              <a:t> </a:t>
+            </a:r>
+            <a:r>
+              <a:rPr lang="ko-KR" altLang="en-US" sz="4400" dirty="0">
+                <a:solidFill>
+                  <a:schemeClr val="tx1">
+                    <a:lumMod val="75000"/>
+                    <a:lumOff val="25000"/>
+                  </a:schemeClr>
+                </a:solidFill>
+                <a:latin typeface="Noto Sans CJK KR Black" pitchFamily="34" charset="-127"/>
+                <a:ea typeface="Noto Sans CJK KR Black" pitchFamily="34" charset="-127"/>
+              </a:rPr>
+              <a:t>데이터</a:t>
+            </a:r>
             <a:r>
               <a:rPr lang="en-US" altLang="ko-KR" sz="4400" dirty="0">
                 <a:solidFill>
@@ -5995,32 +6639,20 @@
                 <a:latin typeface="Noto Sans CJK KR Black" pitchFamily="34" charset="-127"/>
                 <a:ea typeface="Noto Sans CJK KR Black" pitchFamily="34" charset="-127"/>
               </a:rPr>
-              <a:t>differs from </a:t>
-            </a:r>
-            <a:br>
-              <a:rPr lang="en-US" altLang="ko-KR" sz="4400" dirty="0">
-                <a:solidFill>
-                  <a:schemeClr val="tx1">
-                    <a:lumMod val="75000"/>
-                    <a:lumOff val="25000"/>
-                  </a:schemeClr>
-                </a:solidFill>
-                <a:latin typeface="Noto Sans CJK KR Black" pitchFamily="34" charset="-127"/>
-                <a:ea typeface="Noto Sans CJK KR Black" pitchFamily="34" charset="-127"/>
-              </a:rPr>
-            </a:br>
-            <a:r>
-              <a:rPr lang="en-US" altLang="ko-KR" sz="4400" dirty="0">
-                <a:solidFill>
-                  <a:schemeClr val="tx1">
-                    <a:lumMod val="75000"/>
-                    <a:lumOff val="25000"/>
-                  </a:schemeClr>
-                </a:solidFill>
-                <a:latin typeface="Noto Sans CJK KR Black" pitchFamily="34" charset="-127"/>
-                <a:ea typeface="Noto Sans CJK KR Black" pitchFamily="34" charset="-127"/>
-              </a:rPr>
-              <a:t>Machine Learning</a:t>
+              <a:t>/</a:t>
+            </a:r>
+            <a:r>
+              <a:rPr lang="ko-KR" altLang="en-US" sz="4400" dirty="0">
+                <a:solidFill>
+                  <a:schemeClr val="tx1">
+                    <a:lumMod val="75000"/>
+                    <a:lumOff val="25000"/>
+                  </a:schemeClr>
+                </a:solidFill>
+                <a:latin typeface="Noto Sans CJK KR Black" pitchFamily="34" charset="-127"/>
+                <a:ea typeface="Noto Sans CJK KR Black" pitchFamily="34" charset="-127"/>
+              </a:rPr>
+              <a:t>분석과 기계학습의 차이</a:t>
             </a:r>
             <a:endParaRPr lang="ko-KR" altLang="en-US" sz="4400" dirty="0">
               <a:solidFill>
@@ -6062,7 +6694,7 @@
           <p:cNvPr id="4" name="그림 3">
             <a:extLst>
               <a:ext uri="{FF2B5EF4-FFF2-40B4-BE49-F238E27FC236}">
-                <a16:creationId xmlns:a16="http://schemas.microsoft.com/office/drawing/2014/main" id="{651476D9-B5EF-43DD-AAD6-D5F80C4AD98D}"/>
+                <a16:creationId xmlns:a16="http://schemas.microsoft.com/office/drawing/2014/main" id="{50D6F013-DC69-4406-B375-769C3A12F3B8}"/>
               </a:ext>
             </a:extLst>
           </p:cNvPr>
@@ -6079,8 +6711,38 @@
         </p:blipFill>
         <p:spPr>
           <a:xfrm>
-            <a:off x="6579404" y="277019"/>
-            <a:ext cx="5162550" cy="6286500"/>
+            <a:off x="608012" y="2379054"/>
+            <a:ext cx="4762500" cy="3476625"/>
+          </a:xfrm>
+          <a:prstGeom prst="rect">
+            <a:avLst/>
+          </a:prstGeom>
+        </p:spPr>
+      </p:pic>
+      <p:pic>
+        <p:nvPicPr>
+          <p:cNvPr id="6" name="그림 5">
+            <a:extLst>
+              <a:ext uri="{FF2B5EF4-FFF2-40B4-BE49-F238E27FC236}">
+                <a16:creationId xmlns:a16="http://schemas.microsoft.com/office/drawing/2014/main" id="{F22DDB76-DCD7-40D6-B592-8CCEF5228ED1}"/>
+              </a:ext>
+            </a:extLst>
+          </p:cNvPr>
+          <p:cNvPicPr>
+            <a:picLocks noChangeAspect="1"/>
+          </p:cNvPicPr>
+          <p:nvPr/>
+        </p:nvPicPr>
+        <p:blipFill>
+          <a:blip r:embed="rId3"/>
+          <a:stretch>
+            <a:fillRect/>
+          </a:stretch>
+        </p:blipFill>
+        <p:spPr>
+          <a:xfrm>
+            <a:off x="6224141" y="1883753"/>
+            <a:ext cx="5191125" cy="4467225"/>
           </a:xfrm>
           <a:prstGeom prst="rect">
             <a:avLst/>
@@ -6090,7 +6752,7 @@
     </p:spTree>
     <p:extLst>
       <p:ext uri="{BB962C8B-B14F-4D97-AF65-F5344CB8AC3E}">
-        <p14:creationId xmlns:p14="http://schemas.microsoft.com/office/powerpoint/2010/main" val="2410963623"/>
+        <p14:creationId xmlns:p14="http://schemas.microsoft.com/office/powerpoint/2010/main" val="362415506"/>
       </p:ext>
     </p:extLst>
   </p:cSld>
@@ -6151,7 +6813,97 @@
                 <a:latin typeface="Noto Sans CJK KR Black" pitchFamily="34" charset="-127"/>
                 <a:ea typeface="Noto Sans CJK KR Black" pitchFamily="34" charset="-127"/>
               </a:rPr>
-              <a:t>2. Time Series Analysis differs from Machine Learning</a:t>
+              <a:t>2. </a:t>
+            </a:r>
+            <a:r>
+              <a:rPr lang="ko-KR" altLang="en-US" sz="4400" dirty="0">
+                <a:solidFill>
+                  <a:schemeClr val="tx1">
+                    <a:lumMod val="75000"/>
+                    <a:lumOff val="25000"/>
+                  </a:schemeClr>
+                </a:solidFill>
+                <a:latin typeface="Noto Sans CJK KR Black" pitchFamily="34" charset="-127"/>
+                <a:ea typeface="Noto Sans CJK KR Black" pitchFamily="34" charset="-127"/>
+              </a:rPr>
+              <a:t>시계열</a:t>
+            </a:r>
+            <a:r>
+              <a:rPr lang="en-US" altLang="ko-KR" sz="4400" dirty="0">
+                <a:solidFill>
+                  <a:schemeClr val="tx1">
+                    <a:lumMod val="75000"/>
+                    <a:lumOff val="25000"/>
+                  </a:schemeClr>
+                </a:solidFill>
+                <a:latin typeface="Noto Sans CJK KR Black" pitchFamily="34" charset="-127"/>
+                <a:ea typeface="Noto Sans CJK KR Black" pitchFamily="34" charset="-127"/>
+              </a:rPr>
+              <a:t> </a:t>
+            </a:r>
+            <a:r>
+              <a:rPr lang="ko-KR" altLang="en-US" sz="4400" dirty="0">
+                <a:solidFill>
+                  <a:schemeClr val="tx1">
+                    <a:lumMod val="75000"/>
+                    <a:lumOff val="25000"/>
+                  </a:schemeClr>
+                </a:solidFill>
+                <a:latin typeface="Noto Sans CJK KR Black" pitchFamily="34" charset="-127"/>
+                <a:ea typeface="Noto Sans CJK KR Black" pitchFamily="34" charset="-127"/>
+              </a:rPr>
+              <a:t>데이터</a:t>
+            </a:r>
+            <a:r>
+              <a:rPr lang="en-US" altLang="ko-KR" sz="4400" dirty="0">
+                <a:solidFill>
+                  <a:schemeClr val="tx1">
+                    <a:lumMod val="75000"/>
+                    <a:lumOff val="25000"/>
+                  </a:schemeClr>
+                </a:solidFill>
+                <a:latin typeface="Noto Sans CJK KR Black" pitchFamily="34" charset="-127"/>
+                <a:ea typeface="Noto Sans CJK KR Black" pitchFamily="34" charset="-127"/>
+              </a:rPr>
+              <a:t>/</a:t>
+            </a:r>
+            <a:r>
+              <a:rPr lang="ko-KR" altLang="en-US" sz="4400" dirty="0">
+                <a:solidFill>
+                  <a:schemeClr val="tx1">
+                    <a:lumMod val="75000"/>
+                    <a:lumOff val="25000"/>
+                  </a:schemeClr>
+                </a:solidFill>
+                <a:latin typeface="Noto Sans CJK KR Black" pitchFamily="34" charset="-127"/>
+                <a:ea typeface="Noto Sans CJK KR Black" pitchFamily="34" charset="-127"/>
+              </a:rPr>
+              <a:t>분석과</a:t>
+            </a:r>
+            <a:br>
+              <a:rPr lang="en-US" altLang="ko-KR" sz="4400" dirty="0">
+                <a:solidFill>
+                  <a:schemeClr val="tx1">
+                    <a:lumMod val="75000"/>
+                    <a:lumOff val="25000"/>
+                  </a:schemeClr>
+                </a:solidFill>
+                <a:latin typeface="Noto Sans CJK KR Black" pitchFamily="34" charset="-127"/>
+                <a:ea typeface="Noto Sans CJK KR Black" pitchFamily="34" charset="-127"/>
+              </a:rPr>
+            </a:br>
+            <a:r>
+              <a:rPr lang="ko-KR" altLang="en-US" sz="4400" dirty="0">
+                <a:solidFill>
+                  <a:schemeClr val="tx1">
+                    <a:lumMod val="75000"/>
+                    <a:lumOff val="25000"/>
+                  </a:schemeClr>
+                </a:solidFill>
+                <a:latin typeface="Noto Sans CJK KR Black" pitchFamily="34" charset="-127"/>
+                <a:ea typeface="Noto Sans CJK KR Black" pitchFamily="34" charset="-127"/>
+              </a:rPr>
+              <a:t> 기계학습의 차이</a:t>
             </a:r>
             <a:endParaRPr lang="ko-KR" altLang="en-US" sz="4400" dirty="0">
               <a:solidFill>
@@ -6193,7 +6945,7 @@
           <p:cNvPr id="2" name="그림 1">
             <a:extLst>
               <a:ext uri="{FF2B5EF4-FFF2-40B4-BE49-F238E27FC236}">
-                <a16:creationId xmlns:a16="http://schemas.microsoft.com/office/drawing/2014/main" id="{5D2D3FF7-C16A-49C8-9B15-E5157C8B9068}"/>
+                <a16:creationId xmlns:a16="http://schemas.microsoft.com/office/drawing/2014/main" id="{97724287-F85F-403F-B616-E7D80B3BF250}"/>
               </a:ext>
             </a:extLst>
           </p:cNvPr>
@@ -6210,38 +6962,8 @@
         </p:blipFill>
         <p:spPr>
           <a:xfrm>
-            <a:off x="751533" y="2268141"/>
-            <a:ext cx="4838700" cy="3829050"/>
-          </a:xfrm>
-          <a:prstGeom prst="rect">
-            <a:avLst/>
-          </a:prstGeom>
-        </p:spPr>
-      </p:pic>
-      <p:pic>
-        <p:nvPicPr>
-          <p:cNvPr id="7" name="그림 6">
-            <a:extLst>
-              <a:ext uri="{FF2B5EF4-FFF2-40B4-BE49-F238E27FC236}">
-                <a16:creationId xmlns:a16="http://schemas.microsoft.com/office/drawing/2014/main" id="{0077B3EF-6738-45DC-B93B-E0C067B2C6FA}"/>
-              </a:ext>
-            </a:extLst>
-          </p:cNvPr>
-          <p:cNvPicPr>
-            <a:picLocks noChangeAspect="1"/>
-          </p:cNvPicPr>
-          <p:nvPr/>
-        </p:nvPicPr>
-        <p:blipFill>
-          <a:blip r:embed="rId3"/>
-          <a:stretch>
-            <a:fillRect/>
-          </a:stretch>
-        </p:blipFill>
-        <p:spPr>
-          <a:xfrm>
-            <a:off x="6063137" y="1334995"/>
-            <a:ext cx="5095875" cy="5219700"/>
+            <a:off x="6349113" y="529389"/>
+            <a:ext cx="5181600" cy="6200775"/>
           </a:xfrm>
           <a:prstGeom prst="rect">
             <a:avLst/>
@@ -6251,7 +6973,7 @@
     </p:spTree>
     <p:extLst>
       <p:ext uri="{BB962C8B-B14F-4D97-AF65-F5344CB8AC3E}">
-        <p14:creationId xmlns:p14="http://schemas.microsoft.com/office/powerpoint/2010/main" val="362415506"/>
+        <p14:creationId xmlns:p14="http://schemas.microsoft.com/office/powerpoint/2010/main" val="3967198073"/>
       </p:ext>
     </p:extLst>
   </p:cSld>
@@ -6290,7 +7012,7 @@
         </p:nvSpPr>
         <p:spPr>
           <a:xfrm>
-            <a:off x="608012" y="539949"/>
+            <a:off x="608012" y="840019"/>
             <a:ext cx="10944225" cy="1140090"/>
           </a:xfrm>
         </p:spPr>
@@ -6312,7 +7034,97 @@
                 <a:latin typeface="Noto Sans CJK KR Black" pitchFamily="34" charset="-127"/>
                 <a:ea typeface="Noto Sans CJK KR Black" pitchFamily="34" charset="-127"/>
               </a:rPr>
-              <a:t>2. Time Series Analysis differs from Machine Learning</a:t>
+              <a:t>2. </a:t>
+            </a:r>
+            <a:r>
+              <a:rPr lang="ko-KR" altLang="en-US" sz="4400" dirty="0">
+                <a:solidFill>
+                  <a:schemeClr val="tx1">
+                    <a:lumMod val="75000"/>
+                    <a:lumOff val="25000"/>
+                  </a:schemeClr>
+                </a:solidFill>
+                <a:latin typeface="Noto Sans CJK KR Black" pitchFamily="34" charset="-127"/>
+                <a:ea typeface="Noto Sans CJK KR Black" pitchFamily="34" charset="-127"/>
+              </a:rPr>
+              <a:t>시계열</a:t>
+            </a:r>
+            <a:r>
+              <a:rPr lang="en-US" altLang="ko-KR" sz="4400" dirty="0">
+                <a:solidFill>
+                  <a:schemeClr val="tx1">
+                    <a:lumMod val="75000"/>
+                    <a:lumOff val="25000"/>
+                  </a:schemeClr>
+                </a:solidFill>
+                <a:latin typeface="Noto Sans CJK KR Black" pitchFamily="34" charset="-127"/>
+                <a:ea typeface="Noto Sans CJK KR Black" pitchFamily="34" charset="-127"/>
+              </a:rPr>
+              <a:t> </a:t>
+            </a:r>
+            <a:r>
+              <a:rPr lang="ko-KR" altLang="en-US" sz="4400" dirty="0">
+                <a:solidFill>
+                  <a:schemeClr val="tx1">
+                    <a:lumMod val="75000"/>
+                    <a:lumOff val="25000"/>
+                  </a:schemeClr>
+                </a:solidFill>
+                <a:latin typeface="Noto Sans CJK KR Black" pitchFamily="34" charset="-127"/>
+                <a:ea typeface="Noto Sans CJK KR Black" pitchFamily="34" charset="-127"/>
+              </a:rPr>
+              <a:t>데이터</a:t>
+            </a:r>
+            <a:r>
+              <a:rPr lang="en-US" altLang="ko-KR" sz="4400" dirty="0">
+                <a:solidFill>
+                  <a:schemeClr val="tx1">
+                    <a:lumMod val="75000"/>
+                    <a:lumOff val="25000"/>
+                  </a:schemeClr>
+                </a:solidFill>
+                <a:latin typeface="Noto Sans CJK KR Black" pitchFamily="34" charset="-127"/>
+                <a:ea typeface="Noto Sans CJK KR Black" pitchFamily="34" charset="-127"/>
+              </a:rPr>
+              <a:t>/</a:t>
+            </a:r>
+            <a:r>
+              <a:rPr lang="ko-KR" altLang="en-US" sz="4400" dirty="0">
+                <a:solidFill>
+                  <a:schemeClr val="tx1">
+                    <a:lumMod val="75000"/>
+                    <a:lumOff val="25000"/>
+                  </a:schemeClr>
+                </a:solidFill>
+                <a:latin typeface="Noto Sans CJK KR Black" pitchFamily="34" charset="-127"/>
+                <a:ea typeface="Noto Sans CJK KR Black" pitchFamily="34" charset="-127"/>
+              </a:rPr>
+              <a:t>분석과 </a:t>
+            </a:r>
+            <a:br>
+              <a:rPr lang="en-US" altLang="ko-KR" sz="4400" dirty="0">
+                <a:solidFill>
+                  <a:schemeClr val="tx1">
+                    <a:lumMod val="75000"/>
+                    <a:lumOff val="25000"/>
+                  </a:schemeClr>
+                </a:solidFill>
+                <a:latin typeface="Noto Sans CJK KR Black" pitchFamily="34" charset="-127"/>
+                <a:ea typeface="Noto Sans CJK KR Black" pitchFamily="34" charset="-127"/>
+              </a:rPr>
+            </a:br>
+            <a:r>
+              <a:rPr lang="ko-KR" altLang="en-US" sz="4400" dirty="0">
+                <a:solidFill>
+                  <a:schemeClr val="tx1">
+                    <a:lumMod val="75000"/>
+                    <a:lumOff val="25000"/>
+                  </a:schemeClr>
+                </a:solidFill>
+                <a:latin typeface="Noto Sans CJK KR Black" pitchFamily="34" charset="-127"/>
+                <a:ea typeface="Noto Sans CJK KR Black" pitchFamily="34" charset="-127"/>
+              </a:rPr>
+              <a:t>기계학습의 차이</a:t>
             </a:r>
             <a:endParaRPr lang="ko-KR" altLang="en-US" sz="4400" dirty="0">
               <a:solidFill>
@@ -6354,7 +7166,7 @@
           <p:cNvPr id="4" name="그림 3">
             <a:extLst>
               <a:ext uri="{FF2B5EF4-FFF2-40B4-BE49-F238E27FC236}">
-                <a16:creationId xmlns:a16="http://schemas.microsoft.com/office/drawing/2014/main" id="{87091DDC-53D2-4FD1-B3B7-AEF19CA9CE7A}"/>
+                <a16:creationId xmlns:a16="http://schemas.microsoft.com/office/drawing/2014/main" id="{94A861F6-8B00-4967-8109-C79D41001398}"/>
               </a:ext>
             </a:extLst>
           </p:cNvPr>
@@ -6371,8 +7183,38 @@
         </p:blipFill>
         <p:spPr>
           <a:xfrm>
-            <a:off x="5792093" y="1193243"/>
-            <a:ext cx="5086350" cy="5543550"/>
+            <a:off x="895549" y="3215451"/>
+            <a:ext cx="4743450" cy="2286000"/>
+          </a:xfrm>
+          <a:prstGeom prst="rect">
+            <a:avLst/>
+          </a:prstGeom>
+        </p:spPr>
+      </p:pic>
+      <p:pic>
+        <p:nvPicPr>
+          <p:cNvPr id="7" name="그림 6">
+            <a:extLst>
+              <a:ext uri="{FF2B5EF4-FFF2-40B4-BE49-F238E27FC236}">
+                <a16:creationId xmlns:a16="http://schemas.microsoft.com/office/drawing/2014/main" id="{379F24A5-DEC3-4904-AA46-1FA14DCE2506}"/>
+              </a:ext>
+            </a:extLst>
+          </p:cNvPr>
+          <p:cNvPicPr>
+            <a:picLocks noChangeAspect="1"/>
+          </p:cNvPicPr>
+          <p:nvPr/>
+        </p:nvPicPr>
+        <p:blipFill>
+          <a:blip r:embed="rId3"/>
+          <a:stretch>
+            <a:fillRect/>
+          </a:stretch>
+        </p:blipFill>
+        <p:spPr>
+          <a:xfrm>
+            <a:off x="6957313" y="144370"/>
+            <a:ext cx="4305300" cy="6410325"/>
           </a:xfrm>
           <a:prstGeom prst="rect">
             <a:avLst/>
@@ -6382,7 +7224,7 @@
     </p:spTree>
     <p:extLst>
       <p:ext uri="{BB962C8B-B14F-4D97-AF65-F5344CB8AC3E}">
-        <p14:creationId xmlns:p14="http://schemas.microsoft.com/office/powerpoint/2010/main" val="3967198073"/>
+        <p14:creationId xmlns:p14="http://schemas.microsoft.com/office/powerpoint/2010/main" val="1374478474"/>
       </p:ext>
     </p:extLst>
   </p:cSld>
@@ -6427,7 +7269,7 @@
         </p:spPr>
         <p:txBody>
           <a:bodyPr>
-            <a:normAutofit fontScale="90000"/>
+            <a:normAutofit/>
           </a:bodyPr>
           <a:lstStyle/>
           <a:p>
@@ -6443,9 +7285,22 @@
                 <a:latin typeface="Noto Sans CJK KR Black" pitchFamily="34" charset="-127"/>
                 <a:ea typeface="Noto Sans CJK KR Black" pitchFamily="34" charset="-127"/>
               </a:rPr>
-              <a:t>2. Time Series Analysis</a:t>
-            </a:r>
-            <a:br>
+              <a:t>2. </a:t>
+            </a:r>
+            <a:r>
+              <a:rPr lang="ko-KR" altLang="en-US" sz="4400" dirty="0">
+                <a:solidFill>
+                  <a:schemeClr val="tx1">
+                    <a:lumMod val="75000"/>
+                    <a:lumOff val="25000"/>
+                  </a:schemeClr>
+                </a:solidFill>
+                <a:latin typeface="Noto Sans CJK KR Black" pitchFamily="34" charset="-127"/>
+                <a:ea typeface="Noto Sans CJK KR Black" pitchFamily="34" charset="-127"/>
+              </a:rPr>
+              <a:t>시계열</a:t>
+            </a:r>
+            <a:r>
               <a:rPr lang="en-US" altLang="ko-KR" sz="4400" dirty="0">
                 <a:solidFill>
                   <a:schemeClr val="tx1">
@@ -6456,7 +7311,21 @@
                 <a:latin typeface="Noto Sans CJK KR Black" pitchFamily="34" charset="-127"/>
                 <a:ea typeface="Noto Sans CJK KR Black" pitchFamily="34" charset="-127"/>
               </a:rPr>
-            </a:br>
+              <a:t> </a:t>
+            </a:r>
+            <a:r>
+              <a:rPr lang="ko-KR" altLang="en-US" sz="4400" dirty="0">
+                <a:solidFill>
+                  <a:schemeClr val="tx1">
+                    <a:lumMod val="75000"/>
+                    <a:lumOff val="25000"/>
+                  </a:schemeClr>
+                </a:solidFill>
+                <a:latin typeface="Noto Sans CJK KR Black" pitchFamily="34" charset="-127"/>
+                <a:ea typeface="Noto Sans CJK KR Black" pitchFamily="34" charset="-127"/>
+              </a:rPr>
+              <a:t>데이터</a:t>
+            </a:r>
             <a:r>
               <a:rPr lang="en-US" altLang="ko-KR" sz="4400" dirty="0">
                 <a:solidFill>
@@ -6468,32 +7337,20 @@
                 <a:latin typeface="Noto Sans CJK KR Black" pitchFamily="34" charset="-127"/>
                 <a:ea typeface="Noto Sans CJK KR Black" pitchFamily="34" charset="-127"/>
               </a:rPr>
-              <a:t> differs from </a:t>
-            </a:r>
-            <a:br>
-              <a:rPr lang="en-US" altLang="ko-KR" sz="4400" dirty="0">
-                <a:solidFill>
-                  <a:schemeClr val="tx1">
-                    <a:lumMod val="75000"/>
-                    <a:lumOff val="25000"/>
-                  </a:schemeClr>
-                </a:solidFill>
-                <a:latin typeface="Noto Sans CJK KR Black" pitchFamily="34" charset="-127"/>
-                <a:ea typeface="Noto Sans CJK KR Black" pitchFamily="34" charset="-127"/>
-              </a:rPr>
-            </a:br>
-            <a:r>
-              <a:rPr lang="en-US" altLang="ko-KR" sz="4400" dirty="0">
-                <a:solidFill>
-                  <a:schemeClr val="tx1">
-                    <a:lumMod val="75000"/>
-                    <a:lumOff val="25000"/>
-                  </a:schemeClr>
-                </a:solidFill>
-                <a:latin typeface="Noto Sans CJK KR Black" pitchFamily="34" charset="-127"/>
-                <a:ea typeface="Noto Sans CJK KR Black" pitchFamily="34" charset="-127"/>
-              </a:rPr>
-              <a:t>Machine Learning</a:t>
+              <a:t>/</a:t>
+            </a:r>
+            <a:r>
+              <a:rPr lang="ko-KR" altLang="en-US" sz="4400" dirty="0">
+                <a:solidFill>
+                  <a:schemeClr val="tx1">
+                    <a:lumMod val="75000"/>
+                    <a:lumOff val="25000"/>
+                  </a:schemeClr>
+                </a:solidFill>
+                <a:latin typeface="Noto Sans CJK KR Black" pitchFamily="34" charset="-127"/>
+                <a:ea typeface="Noto Sans CJK KR Black" pitchFamily="34" charset="-127"/>
+              </a:rPr>
+              <a:t>분석과 기계학습의 차이</a:t>
             </a:r>
             <a:endParaRPr lang="ko-KR" altLang="en-US" sz="4400" dirty="0">
               <a:solidFill>
@@ -6535,7 +7392,7 @@
           <p:cNvPr id="2" name="그림 1">
             <a:extLst>
               <a:ext uri="{FF2B5EF4-FFF2-40B4-BE49-F238E27FC236}">
-                <a16:creationId xmlns:a16="http://schemas.microsoft.com/office/drawing/2014/main" id="{2A267BED-274C-41EB-BFA4-38FA87138311}"/>
+                <a16:creationId xmlns:a16="http://schemas.microsoft.com/office/drawing/2014/main" id="{9528AE1A-B1A7-4D20-B1D3-2E5F03D78A2B}"/>
               </a:ext>
             </a:extLst>
           </p:cNvPr>
@@ -6552,38 +7409,8 @@
         </p:blipFill>
         <p:spPr>
           <a:xfrm>
-            <a:off x="608012" y="2777351"/>
-            <a:ext cx="4676775" cy="2466975"/>
-          </a:xfrm>
-          <a:prstGeom prst="rect">
-            <a:avLst/>
-          </a:prstGeom>
-        </p:spPr>
-      </p:pic>
-      <p:pic>
-        <p:nvPicPr>
-          <p:cNvPr id="6" name="그림 5">
-            <a:extLst>
-              <a:ext uri="{FF2B5EF4-FFF2-40B4-BE49-F238E27FC236}">
-                <a16:creationId xmlns:a16="http://schemas.microsoft.com/office/drawing/2014/main" id="{177CDF08-4015-41A1-BE87-9FDBE57460B1}"/>
-              </a:ext>
-            </a:extLst>
-          </p:cNvPr>
-          <p:cNvPicPr>
-            <a:picLocks noChangeAspect="1"/>
-          </p:cNvPicPr>
-          <p:nvPr/>
-        </p:nvPicPr>
-        <p:blipFill>
-          <a:blip r:embed="rId3"/>
-          <a:stretch>
-            <a:fillRect/>
-          </a:stretch>
-        </p:blipFill>
-        <p:spPr>
-          <a:xfrm>
-            <a:off x="6656189" y="69293"/>
-            <a:ext cx="4191000" cy="6667500"/>
+            <a:off x="2840124" y="3158290"/>
+            <a:ext cx="6480000" cy="2012727"/>
           </a:xfrm>
           <a:prstGeom prst="rect">
             <a:avLst/>
@@ -6593,7 +7420,7 @@
     </p:spTree>
     <p:extLst>
       <p:ext uri="{BB962C8B-B14F-4D97-AF65-F5344CB8AC3E}">
-        <p14:creationId xmlns:p14="http://schemas.microsoft.com/office/powerpoint/2010/main" val="1374478474"/>
+        <p14:creationId xmlns:p14="http://schemas.microsoft.com/office/powerpoint/2010/main" val="3612584127"/>
       </p:ext>
     </p:extLst>
   </p:cSld>
@@ -6638,7 +7465,7 @@
         </p:spPr>
         <p:txBody>
           <a:bodyPr>
-            <a:normAutofit fontScale="90000"/>
+            <a:normAutofit/>
           </a:bodyPr>
           <a:lstStyle/>
           <a:p>
@@ -6654,7 +7481,72 @@
                 <a:latin typeface="Noto Sans CJK KR Black" pitchFamily="34" charset="-127"/>
                 <a:ea typeface="Noto Sans CJK KR Black" pitchFamily="34" charset="-127"/>
               </a:rPr>
-              <a:t>2. Time Series Analysis differs from Machine Learning</a:t>
+              <a:t>2. </a:t>
+            </a:r>
+            <a:r>
+              <a:rPr lang="ko-KR" altLang="en-US" sz="4400" dirty="0">
+                <a:solidFill>
+                  <a:schemeClr val="tx1">
+                    <a:lumMod val="75000"/>
+                    <a:lumOff val="25000"/>
+                  </a:schemeClr>
+                </a:solidFill>
+                <a:latin typeface="Noto Sans CJK KR Black" pitchFamily="34" charset="-127"/>
+                <a:ea typeface="Noto Sans CJK KR Black" pitchFamily="34" charset="-127"/>
+              </a:rPr>
+              <a:t>시계열</a:t>
+            </a:r>
+            <a:r>
+              <a:rPr lang="en-US" altLang="ko-KR" sz="4400" dirty="0">
+                <a:solidFill>
+                  <a:schemeClr val="tx1">
+                    <a:lumMod val="75000"/>
+                    <a:lumOff val="25000"/>
+                  </a:schemeClr>
+                </a:solidFill>
+                <a:latin typeface="Noto Sans CJK KR Black" pitchFamily="34" charset="-127"/>
+                <a:ea typeface="Noto Sans CJK KR Black" pitchFamily="34" charset="-127"/>
+              </a:rPr>
+              <a:t> </a:t>
+            </a:r>
+            <a:r>
+              <a:rPr lang="ko-KR" altLang="en-US" sz="4400" dirty="0">
+                <a:solidFill>
+                  <a:schemeClr val="tx1">
+                    <a:lumMod val="75000"/>
+                    <a:lumOff val="25000"/>
+                  </a:schemeClr>
+                </a:solidFill>
+                <a:latin typeface="Noto Sans CJK KR Black" pitchFamily="34" charset="-127"/>
+                <a:ea typeface="Noto Sans CJK KR Black" pitchFamily="34" charset="-127"/>
+              </a:rPr>
+              <a:t>데이터</a:t>
+            </a:r>
+            <a:r>
+              <a:rPr lang="en-US" altLang="ko-KR" sz="4400" dirty="0">
+                <a:solidFill>
+                  <a:schemeClr val="tx1">
+                    <a:lumMod val="75000"/>
+                    <a:lumOff val="25000"/>
+                  </a:schemeClr>
+                </a:solidFill>
+                <a:latin typeface="Noto Sans CJK KR Black" pitchFamily="34" charset="-127"/>
+                <a:ea typeface="Noto Sans CJK KR Black" pitchFamily="34" charset="-127"/>
+              </a:rPr>
+              <a:t>/</a:t>
+            </a:r>
+            <a:r>
+              <a:rPr lang="ko-KR" altLang="en-US" sz="4400" dirty="0">
+                <a:solidFill>
+                  <a:schemeClr val="tx1">
+                    <a:lumMod val="75000"/>
+                    <a:lumOff val="25000"/>
+                  </a:schemeClr>
+                </a:solidFill>
+                <a:latin typeface="Noto Sans CJK KR Black" pitchFamily="34" charset="-127"/>
+                <a:ea typeface="Noto Sans CJK KR Black" pitchFamily="34" charset="-127"/>
+              </a:rPr>
+              <a:t>분석과 기계학습의 차이</a:t>
             </a:r>
             <a:endParaRPr lang="ko-KR" altLang="en-US" sz="4400" dirty="0">
               <a:solidFill>
@@ -6693,10 +7585,10 @@
       </p:sp>
       <p:pic>
         <p:nvPicPr>
-          <p:cNvPr id="6" name="그림 5">
+          <p:cNvPr id="4" name="그림 3">
             <a:extLst>
               <a:ext uri="{FF2B5EF4-FFF2-40B4-BE49-F238E27FC236}">
-                <a16:creationId xmlns:a16="http://schemas.microsoft.com/office/drawing/2014/main" id="{EDA45994-C9E5-46B0-A2B1-D959BBA99702}"/>
+                <a16:creationId xmlns:a16="http://schemas.microsoft.com/office/drawing/2014/main" id="{28A91FBB-A8F7-4C51-8DCB-283FAE5BFC9E}"/>
               </a:ext>
             </a:extLst>
           </p:cNvPr>
@@ -6713,8 +7605,8 @@
         </p:blipFill>
         <p:spPr>
           <a:xfrm>
-            <a:off x="247477" y="2484165"/>
-            <a:ext cx="5086350" cy="3333750"/>
+            <a:off x="823541" y="2321343"/>
+            <a:ext cx="4743450" cy="3409950"/>
           </a:xfrm>
           <a:prstGeom prst="rect">
             <a:avLst/>
@@ -6723,10 +7615,10 @@
       </p:pic>
       <p:pic>
         <p:nvPicPr>
-          <p:cNvPr id="7" name="그림 6">
+          <p:cNvPr id="8" name="그림 7">
             <a:extLst>
               <a:ext uri="{FF2B5EF4-FFF2-40B4-BE49-F238E27FC236}">
-                <a16:creationId xmlns:a16="http://schemas.microsoft.com/office/drawing/2014/main" id="{14838900-AC26-41A1-9AED-685329C6B2D9}"/>
+                <a16:creationId xmlns:a16="http://schemas.microsoft.com/office/drawing/2014/main" id="{2757066A-F437-40F9-A8DC-9858879B9FC5}"/>
               </a:ext>
             </a:extLst>
           </p:cNvPr>
@@ -6743,8 +7635,8 @@
         </p:blipFill>
         <p:spPr>
           <a:xfrm>
-            <a:off x="6296149" y="2628181"/>
-            <a:ext cx="4848225" cy="3333750"/>
+            <a:off x="6364659" y="1476053"/>
+            <a:ext cx="4972050" cy="4524375"/>
           </a:xfrm>
           <a:prstGeom prst="rect">
             <a:avLst/>
@@ -6799,7 +7691,7 @@
         </p:spPr>
         <p:txBody>
           <a:bodyPr>
-            <a:normAutofit fontScale="90000"/>
+            <a:normAutofit/>
           </a:bodyPr>
           <a:lstStyle/>
           <a:p>
@@ -6815,7 +7707,72 @@
                 <a:latin typeface="Noto Sans CJK KR Black" pitchFamily="34" charset="-127"/>
                 <a:ea typeface="Noto Sans CJK KR Black" pitchFamily="34" charset="-127"/>
               </a:rPr>
-              <a:t>2. Time Series Analysis differs from Machine Learning</a:t>
+              <a:t>2. </a:t>
+            </a:r>
+            <a:r>
+              <a:rPr lang="ko-KR" altLang="en-US" sz="4400" dirty="0">
+                <a:solidFill>
+                  <a:schemeClr val="tx1">
+                    <a:lumMod val="75000"/>
+                    <a:lumOff val="25000"/>
+                  </a:schemeClr>
+                </a:solidFill>
+                <a:latin typeface="Noto Sans CJK KR Black" pitchFamily="34" charset="-127"/>
+                <a:ea typeface="Noto Sans CJK KR Black" pitchFamily="34" charset="-127"/>
+              </a:rPr>
+              <a:t>시계열</a:t>
+            </a:r>
+            <a:r>
+              <a:rPr lang="en-US" altLang="ko-KR" sz="4400" dirty="0">
+                <a:solidFill>
+                  <a:schemeClr val="tx1">
+                    <a:lumMod val="75000"/>
+                    <a:lumOff val="25000"/>
+                  </a:schemeClr>
+                </a:solidFill>
+                <a:latin typeface="Noto Sans CJK KR Black" pitchFamily="34" charset="-127"/>
+                <a:ea typeface="Noto Sans CJK KR Black" pitchFamily="34" charset="-127"/>
+              </a:rPr>
+              <a:t> </a:t>
+            </a:r>
+            <a:r>
+              <a:rPr lang="ko-KR" altLang="en-US" sz="4400" dirty="0">
+                <a:solidFill>
+                  <a:schemeClr val="tx1">
+                    <a:lumMod val="75000"/>
+                    <a:lumOff val="25000"/>
+                  </a:schemeClr>
+                </a:solidFill>
+                <a:latin typeface="Noto Sans CJK KR Black" pitchFamily="34" charset="-127"/>
+                <a:ea typeface="Noto Sans CJK KR Black" pitchFamily="34" charset="-127"/>
+              </a:rPr>
+              <a:t>데이터</a:t>
+            </a:r>
+            <a:r>
+              <a:rPr lang="en-US" altLang="ko-KR" sz="4400" dirty="0">
+                <a:solidFill>
+                  <a:schemeClr val="tx1">
+                    <a:lumMod val="75000"/>
+                    <a:lumOff val="25000"/>
+                  </a:schemeClr>
+                </a:solidFill>
+                <a:latin typeface="Noto Sans CJK KR Black" pitchFamily="34" charset="-127"/>
+                <a:ea typeface="Noto Sans CJK KR Black" pitchFamily="34" charset="-127"/>
+              </a:rPr>
+              <a:t>/</a:t>
+            </a:r>
+            <a:r>
+              <a:rPr lang="ko-KR" altLang="en-US" sz="4400" dirty="0">
+                <a:solidFill>
+                  <a:schemeClr val="tx1">
+                    <a:lumMod val="75000"/>
+                    <a:lumOff val="25000"/>
+                  </a:schemeClr>
+                </a:solidFill>
+                <a:latin typeface="Noto Sans CJK KR Black" pitchFamily="34" charset="-127"/>
+                <a:ea typeface="Noto Sans CJK KR Black" pitchFamily="34" charset="-127"/>
+              </a:rPr>
+              <a:t>분석과 기계학습의 차이</a:t>
             </a:r>
             <a:endParaRPr lang="ko-KR" altLang="en-US" sz="4400" dirty="0">
               <a:solidFill>
@@ -6857,7 +7814,7 @@
           <p:cNvPr id="2" name="그림 1">
             <a:extLst>
               <a:ext uri="{FF2B5EF4-FFF2-40B4-BE49-F238E27FC236}">
-                <a16:creationId xmlns:a16="http://schemas.microsoft.com/office/drawing/2014/main" id="{E47106BB-D0F7-465E-9A45-62B3D1EA1C3F}"/>
+                <a16:creationId xmlns:a16="http://schemas.microsoft.com/office/drawing/2014/main" id="{111B3F5E-4F15-470E-AB2E-DAD5DCE2EBF0}"/>
               </a:ext>
             </a:extLst>
           </p:cNvPr>
@@ -6874,38 +7831,8 @@
         </p:blipFill>
         <p:spPr>
           <a:xfrm>
-            <a:off x="751533" y="1961654"/>
-            <a:ext cx="4933950" cy="4438650"/>
-          </a:xfrm>
-          <a:prstGeom prst="rect">
-            <a:avLst/>
-          </a:prstGeom>
-        </p:spPr>
-      </p:pic>
-      <p:pic>
-        <p:nvPicPr>
-          <p:cNvPr id="4" name="그림 3">
-            <a:extLst>
-              <a:ext uri="{FF2B5EF4-FFF2-40B4-BE49-F238E27FC236}">
-                <a16:creationId xmlns:a16="http://schemas.microsoft.com/office/drawing/2014/main" id="{58FBBAF5-8A66-421D-B829-40DEDFCD7A59}"/>
-              </a:ext>
-            </a:extLst>
-          </p:cNvPr>
-          <p:cNvPicPr>
-            <a:picLocks noChangeAspect="1"/>
-          </p:cNvPicPr>
-          <p:nvPr/>
-        </p:nvPicPr>
-        <p:blipFill>
-          <a:blip r:embed="rId3"/>
-          <a:stretch>
-            <a:fillRect/>
-          </a:stretch>
-        </p:blipFill>
-        <p:spPr>
-          <a:xfrm>
-            <a:off x="6080124" y="1866404"/>
-            <a:ext cx="5238750" cy="4629150"/>
+            <a:off x="5720085" y="1382676"/>
+            <a:ext cx="5086350" cy="5019675"/>
           </a:xfrm>
           <a:prstGeom prst="rect">
             <a:avLst/>
@@ -6915,7 +7842,7 @@
     </p:spTree>
     <p:extLst>
       <p:ext uri="{BB962C8B-B14F-4D97-AF65-F5344CB8AC3E}">
-        <p14:creationId xmlns:p14="http://schemas.microsoft.com/office/powerpoint/2010/main" val="3442866793"/>
+        <p14:creationId xmlns:p14="http://schemas.microsoft.com/office/powerpoint/2010/main" val="308937018"/>
       </p:ext>
     </p:extLst>
   </p:cSld>
@@ -6976,7 +7903,72 @@
                 <a:latin typeface="Noto Sans CJK KR Black" pitchFamily="34" charset="-127"/>
                 <a:ea typeface="Noto Sans CJK KR Black" pitchFamily="34" charset="-127"/>
               </a:rPr>
-              <a:t>3. Dataset Preparation of Time Series</a:t>
+              <a:t>2. </a:t>
+            </a:r>
+            <a:r>
+              <a:rPr lang="ko-KR" altLang="en-US" sz="4400" dirty="0">
+                <a:solidFill>
+                  <a:schemeClr val="tx1">
+                    <a:lumMod val="75000"/>
+                    <a:lumOff val="25000"/>
+                  </a:schemeClr>
+                </a:solidFill>
+                <a:latin typeface="Noto Sans CJK KR Black" pitchFamily="34" charset="-127"/>
+                <a:ea typeface="Noto Sans CJK KR Black" pitchFamily="34" charset="-127"/>
+              </a:rPr>
+              <a:t>시계열</a:t>
+            </a:r>
+            <a:r>
+              <a:rPr lang="en-US" altLang="ko-KR" sz="4400" dirty="0">
+                <a:solidFill>
+                  <a:schemeClr val="tx1">
+                    <a:lumMod val="75000"/>
+                    <a:lumOff val="25000"/>
+                  </a:schemeClr>
+                </a:solidFill>
+                <a:latin typeface="Noto Sans CJK KR Black" pitchFamily="34" charset="-127"/>
+                <a:ea typeface="Noto Sans CJK KR Black" pitchFamily="34" charset="-127"/>
+              </a:rPr>
+              <a:t> </a:t>
+            </a:r>
+            <a:r>
+              <a:rPr lang="ko-KR" altLang="en-US" sz="4400" dirty="0">
+                <a:solidFill>
+                  <a:schemeClr val="tx1">
+                    <a:lumMod val="75000"/>
+                    <a:lumOff val="25000"/>
+                  </a:schemeClr>
+                </a:solidFill>
+                <a:latin typeface="Noto Sans CJK KR Black" pitchFamily="34" charset="-127"/>
+                <a:ea typeface="Noto Sans CJK KR Black" pitchFamily="34" charset="-127"/>
+              </a:rPr>
+              <a:t>데이터</a:t>
+            </a:r>
+            <a:r>
+              <a:rPr lang="en-US" altLang="ko-KR" sz="4400" dirty="0">
+                <a:solidFill>
+                  <a:schemeClr val="tx1">
+                    <a:lumMod val="75000"/>
+                    <a:lumOff val="25000"/>
+                  </a:schemeClr>
+                </a:solidFill>
+                <a:latin typeface="Noto Sans CJK KR Black" pitchFamily="34" charset="-127"/>
+                <a:ea typeface="Noto Sans CJK KR Black" pitchFamily="34" charset="-127"/>
+              </a:rPr>
+              <a:t>/</a:t>
+            </a:r>
+            <a:r>
+              <a:rPr lang="ko-KR" altLang="en-US" sz="4400" dirty="0">
+                <a:solidFill>
+                  <a:schemeClr val="tx1">
+                    <a:lumMod val="75000"/>
+                    <a:lumOff val="25000"/>
+                  </a:schemeClr>
+                </a:solidFill>
+                <a:latin typeface="Noto Sans CJK KR Black" pitchFamily="34" charset="-127"/>
+                <a:ea typeface="Noto Sans CJK KR Black" pitchFamily="34" charset="-127"/>
+              </a:rPr>
+              <a:t>분석과 기계학습의 차이</a:t>
             </a:r>
             <a:endParaRPr lang="ko-KR" altLang="en-US" sz="4400" dirty="0">
               <a:solidFill>
@@ -7018,7 +8010,7 @@
           <p:cNvPr id="6" name="그림 5">
             <a:extLst>
               <a:ext uri="{FF2B5EF4-FFF2-40B4-BE49-F238E27FC236}">
-                <a16:creationId xmlns:a16="http://schemas.microsoft.com/office/drawing/2014/main" id="{636FF636-45BF-4B62-A96F-8F8DD874D99B}"/>
+                <a16:creationId xmlns:a16="http://schemas.microsoft.com/office/drawing/2014/main" id="{135F296F-B76F-4195-B9B8-C04D04EACBB1}"/>
               </a:ext>
             </a:extLst>
           </p:cNvPr>
@@ -7035,8 +8027,8 @@
         </p:blipFill>
         <p:spPr>
           <a:xfrm>
-            <a:off x="463501" y="2484165"/>
-            <a:ext cx="4857750" cy="3514725"/>
+            <a:off x="679525" y="2126081"/>
+            <a:ext cx="5200650" cy="3800475"/>
           </a:xfrm>
           <a:prstGeom prst="rect">
             <a:avLst/>
@@ -7048,7 +8040,7 @@
           <p:cNvPr id="7" name="그림 6">
             <a:extLst>
               <a:ext uri="{FF2B5EF4-FFF2-40B4-BE49-F238E27FC236}">
-                <a16:creationId xmlns:a16="http://schemas.microsoft.com/office/drawing/2014/main" id="{71A57006-A326-49A8-AE82-E4CB0C094831}"/>
+                <a16:creationId xmlns:a16="http://schemas.microsoft.com/office/drawing/2014/main" id="{286ACD9C-B4B5-4900-8CEE-208E5B1330BE}"/>
               </a:ext>
             </a:extLst>
           </p:cNvPr>
@@ -7065,8 +8057,8 @@
         </p:blipFill>
         <p:spPr>
           <a:xfrm>
-            <a:off x="6815965" y="2779439"/>
-            <a:ext cx="4667250" cy="2924175"/>
+            <a:off x="6222925" y="1642864"/>
+            <a:ext cx="5257800" cy="4657725"/>
           </a:xfrm>
           <a:prstGeom prst="rect">
             <a:avLst/>
@@ -7076,7 +8068,7 @@
     </p:spTree>
     <p:extLst>
       <p:ext uri="{BB962C8B-B14F-4D97-AF65-F5344CB8AC3E}">
-        <p14:creationId xmlns:p14="http://schemas.microsoft.com/office/powerpoint/2010/main" val="3708835194"/>
+        <p14:creationId xmlns:p14="http://schemas.microsoft.com/office/powerpoint/2010/main" val="3442866793"/>
       </p:ext>
     </p:extLst>
   </p:cSld>
@@ -7137,7 +8129,20 @@
                 <a:latin typeface="Noto Sans CJK KR Black" pitchFamily="34" charset="-127"/>
                 <a:ea typeface="Noto Sans CJK KR Black" pitchFamily="34" charset="-127"/>
               </a:rPr>
-              <a:t>3. Dataset Preparation of Time Series</a:t>
+              <a:t>3. </a:t>
+            </a:r>
+            <a:r>
+              <a:rPr lang="ko-KR" altLang="en-US" sz="4400" dirty="0">
+                <a:solidFill>
+                  <a:schemeClr val="tx1">
+                    <a:lumMod val="75000"/>
+                    <a:lumOff val="25000"/>
+                  </a:schemeClr>
+                </a:solidFill>
+                <a:latin typeface="Noto Sans CJK KR Black" pitchFamily="34" charset="-127"/>
+                <a:ea typeface="Noto Sans CJK KR Black" pitchFamily="34" charset="-127"/>
+              </a:rPr>
+              <a:t>시계열분석을 위한 데이터셋 준비</a:t>
             </a:r>
             <a:endParaRPr lang="ko-KR" altLang="en-US" sz="4400" dirty="0">
               <a:solidFill>
@@ -7176,10 +8181,10 @@
       </p:sp>
       <p:pic>
         <p:nvPicPr>
-          <p:cNvPr id="2" name="그림 1">
+          <p:cNvPr id="7" name="그림 6">
             <a:extLst>
               <a:ext uri="{FF2B5EF4-FFF2-40B4-BE49-F238E27FC236}">
-                <a16:creationId xmlns:a16="http://schemas.microsoft.com/office/drawing/2014/main" id="{A8E8AC31-891B-4B93-B793-D1BF665B2A6B}"/>
+                <a16:creationId xmlns:a16="http://schemas.microsoft.com/office/drawing/2014/main" id="{71A57006-A326-49A8-AE82-E4CB0C094831}"/>
               </a:ext>
             </a:extLst>
           </p:cNvPr>
@@ -7196,8 +8201,8 @@
         </p:blipFill>
         <p:spPr>
           <a:xfrm>
-            <a:off x="823541" y="2045108"/>
-            <a:ext cx="4552950" cy="4105275"/>
+            <a:off x="6815965" y="2779439"/>
+            <a:ext cx="4667250" cy="2924175"/>
           </a:xfrm>
           <a:prstGeom prst="rect">
             <a:avLst/>
@@ -7206,10 +8211,10 @@
       </p:pic>
       <p:pic>
         <p:nvPicPr>
-          <p:cNvPr id="4" name="그림 3">
+          <p:cNvPr id="2" name="그림 1">
             <a:extLst>
               <a:ext uri="{FF2B5EF4-FFF2-40B4-BE49-F238E27FC236}">
-                <a16:creationId xmlns:a16="http://schemas.microsoft.com/office/drawing/2014/main" id="{79F2E30A-4E3F-4BA4-BB45-B17C51CD7028}"/>
+                <a16:creationId xmlns:a16="http://schemas.microsoft.com/office/drawing/2014/main" id="{CF31C5F6-6275-465A-A4E5-CD5005208B85}"/>
               </a:ext>
             </a:extLst>
           </p:cNvPr>
@@ -7226,8 +8231,8 @@
         </p:blipFill>
         <p:spPr>
           <a:xfrm>
-            <a:off x="7016229" y="3564345"/>
-            <a:ext cx="3771900" cy="1066800"/>
+            <a:off x="677035" y="2779439"/>
+            <a:ext cx="4876800" cy="2686050"/>
           </a:xfrm>
           <a:prstGeom prst="rect">
             <a:avLst/>
@@ -7237,7 +8242,7 @@
     </p:spTree>
     <p:extLst>
       <p:ext uri="{BB962C8B-B14F-4D97-AF65-F5344CB8AC3E}">
-        <p14:creationId xmlns:p14="http://schemas.microsoft.com/office/powerpoint/2010/main" val="2891482321"/>
+        <p14:creationId xmlns:p14="http://schemas.microsoft.com/office/powerpoint/2010/main" val="3708835194"/>
       </p:ext>
     </p:extLst>
   </p:cSld>
@@ -7282,7 +8287,7 @@
         </p:spPr>
         <p:txBody>
           <a:bodyPr>
-            <a:normAutofit fontScale="90000"/>
+            <a:normAutofit/>
           </a:bodyPr>
           <a:lstStyle/>
           <a:p>
@@ -7298,32 +8303,20 @@
                 <a:latin typeface="Noto Sans CJK KR Black" pitchFamily="34" charset="-127"/>
                 <a:ea typeface="Noto Sans CJK KR Black" pitchFamily="34" charset="-127"/>
               </a:rPr>
-              <a:t>3. Dataset Preparation</a:t>
-            </a:r>
-            <a:br>
-              <a:rPr lang="en-US" altLang="ko-KR" sz="4400" dirty="0">
-                <a:solidFill>
-                  <a:schemeClr val="tx1">
-                    <a:lumMod val="75000"/>
-                    <a:lumOff val="25000"/>
-                  </a:schemeClr>
-                </a:solidFill>
-                <a:latin typeface="Noto Sans CJK KR Black" pitchFamily="34" charset="-127"/>
-                <a:ea typeface="Noto Sans CJK KR Black" pitchFamily="34" charset="-127"/>
-              </a:rPr>
-            </a:br>
-            <a:r>
-              <a:rPr lang="en-US" altLang="ko-KR" sz="4400" dirty="0">
-                <a:solidFill>
-                  <a:schemeClr val="tx1">
-                    <a:lumMod val="75000"/>
-                    <a:lumOff val="25000"/>
-                  </a:schemeClr>
-                </a:solidFill>
-                <a:latin typeface="Noto Sans CJK KR Black" pitchFamily="34" charset="-127"/>
-                <a:ea typeface="Noto Sans CJK KR Black" pitchFamily="34" charset="-127"/>
-              </a:rPr>
-              <a:t> of Time Series</a:t>
+              <a:t>3. </a:t>
+            </a:r>
+            <a:r>
+              <a:rPr lang="ko-KR" altLang="en-US" sz="4400" dirty="0">
+                <a:solidFill>
+                  <a:schemeClr val="tx1">
+                    <a:lumMod val="75000"/>
+                    <a:lumOff val="25000"/>
+                  </a:schemeClr>
+                </a:solidFill>
+                <a:latin typeface="Noto Sans CJK KR Black" pitchFamily="34" charset="-127"/>
+                <a:ea typeface="Noto Sans CJK KR Black" pitchFamily="34" charset="-127"/>
+              </a:rPr>
+              <a:t>시계열분석을 위한 데이터셋 준비</a:t>
             </a:r>
             <a:endParaRPr lang="ko-KR" altLang="en-US" sz="4400" dirty="0">
               <a:solidFill>
@@ -7365,7 +8358,7 @@
           <p:cNvPr id="6" name="그림 5">
             <a:extLst>
               <a:ext uri="{FF2B5EF4-FFF2-40B4-BE49-F238E27FC236}">
-                <a16:creationId xmlns:a16="http://schemas.microsoft.com/office/drawing/2014/main" id="{45AB89CF-6374-4543-85BE-C07CBFE961CC}"/>
+                <a16:creationId xmlns:a16="http://schemas.microsoft.com/office/drawing/2014/main" id="{BF606BA7-855E-4E35-BE71-3BE8FF5988F8}"/>
               </a:ext>
             </a:extLst>
           </p:cNvPr>
@@ -7382,8 +8375,38 @@
         </p:blipFill>
         <p:spPr>
           <a:xfrm>
-            <a:off x="7175114" y="0"/>
-            <a:ext cx="3971130" cy="6840538"/>
+            <a:off x="895549" y="2173695"/>
+            <a:ext cx="4686300" cy="3848100"/>
+          </a:xfrm>
+          <a:prstGeom prst="rect">
+            <a:avLst/>
+          </a:prstGeom>
+        </p:spPr>
+      </p:pic>
+      <p:pic>
+        <p:nvPicPr>
+          <p:cNvPr id="7" name="그림 6">
+            <a:extLst>
+              <a:ext uri="{FF2B5EF4-FFF2-40B4-BE49-F238E27FC236}">
+                <a16:creationId xmlns:a16="http://schemas.microsoft.com/office/drawing/2014/main" id="{23A35751-8298-4948-AE1B-6ADAACA1FA25}"/>
+              </a:ext>
+            </a:extLst>
+          </p:cNvPr>
+          <p:cNvPicPr>
+            <a:picLocks noChangeAspect="1"/>
+          </p:cNvPicPr>
+          <p:nvPr/>
+        </p:nvPicPr>
+        <p:blipFill>
+          <a:blip r:embed="rId3"/>
+          <a:stretch>
+            <a:fillRect/>
+          </a:stretch>
+        </p:blipFill>
+        <p:spPr>
+          <a:xfrm>
+            <a:off x="6806835" y="3607207"/>
+            <a:ext cx="4505325" cy="981075"/>
           </a:xfrm>
           <a:prstGeom prst="rect">
             <a:avLst/>
@@ -7393,7 +8416,7 @@
     </p:spTree>
     <p:extLst>
       <p:ext uri="{BB962C8B-B14F-4D97-AF65-F5344CB8AC3E}">
-        <p14:creationId xmlns:p14="http://schemas.microsoft.com/office/powerpoint/2010/main" val="3730693057"/>
+        <p14:creationId xmlns:p14="http://schemas.microsoft.com/office/powerpoint/2010/main" val="2891482321"/>
       </p:ext>
     </p:extLst>
   </p:cSld>
@@ -7535,10 +8558,10 @@
       </p:sp>
       <p:pic>
         <p:nvPicPr>
-          <p:cNvPr id="3" name="그림 2">
+          <p:cNvPr id="2" name="그림 1">
             <a:extLst>
               <a:ext uri="{FF2B5EF4-FFF2-40B4-BE49-F238E27FC236}">
-                <a16:creationId xmlns:a16="http://schemas.microsoft.com/office/drawing/2014/main" id="{A052DDE7-9FFF-4D13-96F4-2A6FC6916E23}"/>
+                <a16:creationId xmlns:a16="http://schemas.microsoft.com/office/drawing/2014/main" id="{2A3AFCE8-F8D3-4355-89A3-7DEA2269857E}"/>
               </a:ext>
             </a:extLst>
           </p:cNvPr>
@@ -7555,8 +8578,8 @@
         </p:blipFill>
         <p:spPr>
           <a:xfrm>
-            <a:off x="1580125" y="1545848"/>
-            <a:ext cx="9000000" cy="5190945"/>
+            <a:off x="2480125" y="1693765"/>
+            <a:ext cx="7200000" cy="4903068"/>
           </a:xfrm>
           <a:prstGeom prst="rect">
             <a:avLst/>
@@ -7611,7 +8634,7 @@
         </p:spPr>
         <p:txBody>
           <a:bodyPr>
-            <a:normAutofit/>
+            <a:normAutofit fontScale="90000"/>
           </a:bodyPr>
           <a:lstStyle/>
           <a:p>
@@ -7627,7 +8650,45 @@
                 <a:latin typeface="Noto Sans CJK KR Black" pitchFamily="34" charset="-127"/>
                 <a:ea typeface="Noto Sans CJK KR Black" pitchFamily="34" charset="-127"/>
               </a:rPr>
-              <a:t>3. Dataset Preparation of Time Series</a:t>
+              <a:t>3. </a:t>
+            </a:r>
+            <a:r>
+              <a:rPr lang="ko-KR" altLang="en-US" sz="4400" dirty="0">
+                <a:solidFill>
+                  <a:schemeClr val="tx1">
+                    <a:lumMod val="75000"/>
+                    <a:lumOff val="25000"/>
+                  </a:schemeClr>
+                </a:solidFill>
+                <a:latin typeface="Noto Sans CJK KR Black" pitchFamily="34" charset="-127"/>
+                <a:ea typeface="Noto Sans CJK KR Black" pitchFamily="34" charset="-127"/>
+              </a:rPr>
+              <a:t>시계열분석을 위한 </a:t>
+            </a:r>
+            <a:br>
+              <a:rPr lang="en-US" altLang="ko-KR" sz="4400" dirty="0">
+                <a:solidFill>
+                  <a:schemeClr val="tx1">
+                    <a:lumMod val="75000"/>
+                    <a:lumOff val="25000"/>
+                  </a:schemeClr>
+                </a:solidFill>
+                <a:latin typeface="Noto Sans CJK KR Black" pitchFamily="34" charset="-127"/>
+                <a:ea typeface="Noto Sans CJK KR Black" pitchFamily="34" charset="-127"/>
+              </a:rPr>
+            </a:br>
+            <a:r>
+              <a:rPr lang="ko-KR" altLang="en-US" sz="4400" dirty="0">
+                <a:solidFill>
+                  <a:schemeClr val="tx1">
+                    <a:lumMod val="75000"/>
+                    <a:lumOff val="25000"/>
+                  </a:schemeClr>
+                </a:solidFill>
+                <a:latin typeface="Noto Sans CJK KR Black" pitchFamily="34" charset="-127"/>
+                <a:ea typeface="Noto Sans CJK KR Black" pitchFamily="34" charset="-127"/>
+              </a:rPr>
+              <a:t>데이터셋 준비</a:t>
             </a:r>
             <a:endParaRPr lang="ko-KR" altLang="en-US" sz="4400" dirty="0">
               <a:solidFill>
@@ -7666,10 +8727,10 @@
       </p:sp>
       <p:pic>
         <p:nvPicPr>
-          <p:cNvPr id="6" name="그림 5">
+          <p:cNvPr id="2" name="그림 1">
             <a:extLst>
               <a:ext uri="{FF2B5EF4-FFF2-40B4-BE49-F238E27FC236}">
-                <a16:creationId xmlns:a16="http://schemas.microsoft.com/office/drawing/2014/main" id="{7D1B8681-F5F1-44AE-9B8E-CB4FEE03F736}"/>
+                <a16:creationId xmlns:a16="http://schemas.microsoft.com/office/drawing/2014/main" id="{C1A9D140-03D0-4516-B028-D700F04C74B3}"/>
               </a:ext>
             </a:extLst>
           </p:cNvPr>
@@ -7686,38 +8747,8 @@
         </p:blipFill>
         <p:spPr>
           <a:xfrm>
-            <a:off x="751533" y="2259431"/>
-            <a:ext cx="4533900" cy="3533775"/>
-          </a:xfrm>
-          <a:prstGeom prst="rect">
-            <a:avLst/>
-          </a:prstGeom>
-        </p:spPr>
-      </p:pic>
-      <p:pic>
-        <p:nvPicPr>
-          <p:cNvPr id="7" name="그림 6">
-            <a:extLst>
-              <a:ext uri="{FF2B5EF4-FFF2-40B4-BE49-F238E27FC236}">
-                <a16:creationId xmlns:a16="http://schemas.microsoft.com/office/drawing/2014/main" id="{8DF38819-86E2-42B9-8319-CE36BDCC72F9}"/>
-              </a:ext>
-            </a:extLst>
-          </p:cNvPr>
-          <p:cNvPicPr>
-            <a:picLocks noChangeAspect="1"/>
-          </p:cNvPicPr>
-          <p:nvPr/>
-        </p:nvPicPr>
-        <p:blipFill>
-          <a:blip r:embed="rId3"/>
-          <a:stretch>
-            <a:fillRect/>
-          </a:stretch>
-        </p:blipFill>
-        <p:spPr>
-          <a:xfrm>
-            <a:off x="6512173" y="1883193"/>
-            <a:ext cx="4457700" cy="4286250"/>
+            <a:off x="7088237" y="0"/>
+            <a:ext cx="3368447" cy="6840538"/>
           </a:xfrm>
           <a:prstGeom prst="rect">
             <a:avLst/>
@@ -7727,7 +8758,7 @@
     </p:spTree>
     <p:extLst>
       <p:ext uri="{BB962C8B-B14F-4D97-AF65-F5344CB8AC3E}">
-        <p14:creationId xmlns:p14="http://schemas.microsoft.com/office/powerpoint/2010/main" val="286664559"/>
+        <p14:creationId xmlns:p14="http://schemas.microsoft.com/office/powerpoint/2010/main" val="3730693057"/>
       </p:ext>
     </p:extLst>
   </p:cSld>
@@ -7788,7 +8819,20 @@
                 <a:latin typeface="Noto Sans CJK KR Black" pitchFamily="34" charset="-127"/>
                 <a:ea typeface="Noto Sans CJK KR Black" pitchFamily="34" charset="-127"/>
               </a:rPr>
-              <a:t>3. Dataset Preparation of Time Series</a:t>
+              <a:t>3. </a:t>
+            </a:r>
+            <a:r>
+              <a:rPr lang="ko-KR" altLang="en-US" sz="4400" dirty="0">
+                <a:solidFill>
+                  <a:schemeClr val="tx1">
+                    <a:lumMod val="75000"/>
+                    <a:lumOff val="25000"/>
+                  </a:schemeClr>
+                </a:solidFill>
+                <a:latin typeface="Noto Sans CJK KR Black" pitchFamily="34" charset="-127"/>
+                <a:ea typeface="Noto Sans CJK KR Black" pitchFamily="34" charset="-127"/>
+              </a:rPr>
+              <a:t>시계열분석을 위한 데이터셋 준비</a:t>
             </a:r>
             <a:endParaRPr lang="ko-KR" altLang="en-US" sz="4400" dirty="0">
               <a:solidFill>
@@ -7830,7 +8874,7 @@
           <p:cNvPr id="2" name="그림 1">
             <a:extLst>
               <a:ext uri="{FF2B5EF4-FFF2-40B4-BE49-F238E27FC236}">
-                <a16:creationId xmlns:a16="http://schemas.microsoft.com/office/drawing/2014/main" id="{7FA26BF2-35FF-4723-842E-EDB5810C7E87}"/>
+                <a16:creationId xmlns:a16="http://schemas.microsoft.com/office/drawing/2014/main" id="{8AC18B02-AB2A-4931-9267-A001EE2A2DE8}"/>
               </a:ext>
             </a:extLst>
           </p:cNvPr>
@@ -7847,8 +8891,38 @@
         </p:blipFill>
         <p:spPr>
           <a:xfrm>
-            <a:off x="3494086" y="1679018"/>
-            <a:ext cx="5172075" cy="5057775"/>
+            <a:off x="799853" y="1973102"/>
+            <a:ext cx="4848225" cy="4352925"/>
+          </a:xfrm>
+          <a:prstGeom prst="rect">
+            <a:avLst/>
+          </a:prstGeom>
+        </p:spPr>
+      </p:pic>
+      <p:pic>
+        <p:nvPicPr>
+          <p:cNvPr id="4" name="그림 3">
+            <a:extLst>
+              <a:ext uri="{FF2B5EF4-FFF2-40B4-BE49-F238E27FC236}">
+                <a16:creationId xmlns:a16="http://schemas.microsoft.com/office/drawing/2014/main" id="{2917F257-8F06-4FF4-991F-80CD2D382813}"/>
+              </a:ext>
+            </a:extLst>
+          </p:cNvPr>
+          <p:cNvPicPr>
+            <a:picLocks noChangeAspect="1"/>
+          </p:cNvPicPr>
+          <p:nvPr/>
+        </p:nvPicPr>
+        <p:blipFill>
+          <a:blip r:embed="rId3"/>
+          <a:stretch>
+            <a:fillRect/>
+          </a:stretch>
+        </p:blipFill>
+        <p:spPr>
+          <a:xfrm>
+            <a:off x="6224141" y="1401763"/>
+            <a:ext cx="4905375" cy="5438775"/>
           </a:xfrm>
           <a:prstGeom prst="rect">
             <a:avLst/>
@@ -7858,7 +8932,7 @@
     </p:spTree>
     <p:extLst>
       <p:ext uri="{BB962C8B-B14F-4D97-AF65-F5344CB8AC3E}">
-        <p14:creationId xmlns:p14="http://schemas.microsoft.com/office/powerpoint/2010/main" val="2118871796"/>
+        <p14:creationId xmlns:p14="http://schemas.microsoft.com/office/powerpoint/2010/main" val="286664559"/>
       </p:ext>
     </p:extLst>
   </p:cSld>
@@ -7919,7 +8993,20 @@
                 <a:latin typeface="Noto Sans CJK KR Black" pitchFamily="34" charset="-127"/>
                 <a:ea typeface="Noto Sans CJK KR Black" pitchFamily="34" charset="-127"/>
               </a:rPr>
-              <a:t>3. Dataset Preparation of Time Series</a:t>
+              <a:t>3. </a:t>
+            </a:r>
+            <a:r>
+              <a:rPr lang="ko-KR" altLang="en-US" sz="4400" dirty="0">
+                <a:solidFill>
+                  <a:schemeClr val="tx1">
+                    <a:lumMod val="75000"/>
+                    <a:lumOff val="25000"/>
+                  </a:schemeClr>
+                </a:solidFill>
+                <a:latin typeface="Noto Sans CJK KR Black" pitchFamily="34" charset="-127"/>
+                <a:ea typeface="Noto Sans CJK KR Black" pitchFamily="34" charset="-127"/>
+              </a:rPr>
+              <a:t>시계열분석을 위한 데이터셋 준비</a:t>
             </a:r>
             <a:endParaRPr lang="ko-KR" altLang="en-US" sz="4400" dirty="0">
               <a:solidFill>
@@ -7961,7 +9048,7 @@
           <p:cNvPr id="4" name="그림 3">
             <a:extLst>
               <a:ext uri="{FF2B5EF4-FFF2-40B4-BE49-F238E27FC236}">
-                <a16:creationId xmlns:a16="http://schemas.microsoft.com/office/drawing/2014/main" id="{91DDA59D-5DBF-4746-B2F3-73FC9B97C49A}"/>
+                <a16:creationId xmlns:a16="http://schemas.microsoft.com/office/drawing/2014/main" id="{BA33EB0B-FCE0-4418-A8F7-29A13DC19AA3}"/>
               </a:ext>
             </a:extLst>
           </p:cNvPr>
@@ -7978,38 +9065,8 @@
         </p:blipFill>
         <p:spPr>
           <a:xfrm>
-            <a:off x="611530" y="1578394"/>
-            <a:ext cx="5210175" cy="4895850"/>
-          </a:xfrm>
-          <a:prstGeom prst="rect">
-            <a:avLst/>
-          </a:prstGeom>
-        </p:spPr>
-      </p:pic>
-      <p:pic>
-        <p:nvPicPr>
-          <p:cNvPr id="6" name="그림 5">
-            <a:extLst>
-              <a:ext uri="{FF2B5EF4-FFF2-40B4-BE49-F238E27FC236}">
-                <a16:creationId xmlns:a16="http://schemas.microsoft.com/office/drawing/2014/main" id="{C65E9998-DCF7-4C20-A3E5-A5ECFF1CCB7F}"/>
-              </a:ext>
-            </a:extLst>
-          </p:cNvPr>
-          <p:cNvPicPr>
-            <a:picLocks noChangeAspect="1"/>
-          </p:cNvPicPr>
-          <p:nvPr/>
-        </p:nvPicPr>
-        <p:blipFill>
-          <a:blip r:embed="rId3"/>
-          <a:stretch>
-            <a:fillRect/>
-          </a:stretch>
-        </p:blipFill>
-        <p:spPr>
-          <a:xfrm>
-            <a:off x="6234283" y="1330796"/>
-            <a:ext cx="4905375" cy="5486400"/>
+            <a:off x="3470274" y="1676434"/>
+            <a:ext cx="5219700" cy="5048250"/>
           </a:xfrm>
           <a:prstGeom prst="rect">
             <a:avLst/>
@@ -8019,7 +9076,7 @@
     </p:spTree>
     <p:extLst>
       <p:ext uri="{BB962C8B-B14F-4D97-AF65-F5344CB8AC3E}">
-        <p14:creationId xmlns:p14="http://schemas.microsoft.com/office/powerpoint/2010/main" val="3212167489"/>
+        <p14:creationId xmlns:p14="http://schemas.microsoft.com/office/powerpoint/2010/main" val="2118871796"/>
       </p:ext>
     </p:extLst>
   </p:cSld>
@@ -8080,7 +9137,20 @@
                 <a:latin typeface="Noto Sans CJK KR Black" pitchFamily="34" charset="-127"/>
                 <a:ea typeface="Noto Sans CJK KR Black" pitchFamily="34" charset="-127"/>
               </a:rPr>
-              <a:t>3. Dataset Preparation of Time Series</a:t>
+              <a:t>3. </a:t>
+            </a:r>
+            <a:r>
+              <a:rPr lang="ko-KR" altLang="en-US" sz="4400" dirty="0">
+                <a:solidFill>
+                  <a:schemeClr val="tx1">
+                    <a:lumMod val="75000"/>
+                    <a:lumOff val="25000"/>
+                  </a:schemeClr>
+                </a:solidFill>
+                <a:latin typeface="Noto Sans CJK KR Black" pitchFamily="34" charset="-127"/>
+                <a:ea typeface="Noto Sans CJK KR Black" pitchFamily="34" charset="-127"/>
+              </a:rPr>
+              <a:t>시계열분석을 위한 데이터셋 준비</a:t>
             </a:r>
             <a:endParaRPr lang="ko-KR" altLang="en-US" sz="4400" dirty="0">
               <a:solidFill>
@@ -8119,10 +9189,10 @@
       </p:sp>
       <p:pic>
         <p:nvPicPr>
-          <p:cNvPr id="2" name="그림 1">
+          <p:cNvPr id="6" name="그림 5">
             <a:extLst>
               <a:ext uri="{FF2B5EF4-FFF2-40B4-BE49-F238E27FC236}">
-                <a16:creationId xmlns:a16="http://schemas.microsoft.com/office/drawing/2014/main" id="{32A23931-FDFF-4416-AE61-86599F49F969}"/>
+                <a16:creationId xmlns:a16="http://schemas.microsoft.com/office/drawing/2014/main" id="{C65E9998-DCF7-4C20-A3E5-A5ECFF1CCB7F}"/>
               </a:ext>
             </a:extLst>
           </p:cNvPr>
@@ -8139,8 +9209,182 @@
         </p:blipFill>
         <p:spPr>
           <a:xfrm>
-            <a:off x="3575049" y="2117652"/>
-            <a:ext cx="5010150" cy="3857625"/>
+            <a:off x="6234283" y="1330796"/>
+            <a:ext cx="4905375" cy="5486400"/>
+          </a:xfrm>
+          <a:prstGeom prst="rect">
+            <a:avLst/>
+          </a:prstGeom>
+        </p:spPr>
+      </p:pic>
+      <p:pic>
+        <p:nvPicPr>
+          <p:cNvPr id="2" name="그림 1">
+            <a:extLst>
+              <a:ext uri="{FF2B5EF4-FFF2-40B4-BE49-F238E27FC236}">
+                <a16:creationId xmlns:a16="http://schemas.microsoft.com/office/drawing/2014/main" id="{BD3A1C39-F07C-4D33-B6AD-67CD0CC93744}"/>
+              </a:ext>
+            </a:extLst>
+          </p:cNvPr>
+          <p:cNvPicPr>
+            <a:picLocks noChangeAspect="1"/>
+          </p:cNvPicPr>
+          <p:nvPr/>
+        </p:nvPicPr>
+        <p:blipFill>
+          <a:blip r:embed="rId3"/>
+          <a:stretch>
+            <a:fillRect/>
+          </a:stretch>
+        </p:blipFill>
+        <p:spPr>
+          <a:xfrm>
+            <a:off x="685584" y="1549871"/>
+            <a:ext cx="5153025" cy="5048250"/>
+          </a:xfrm>
+          <a:prstGeom prst="rect">
+            <a:avLst/>
+          </a:prstGeom>
+        </p:spPr>
+      </p:pic>
+    </p:spTree>
+    <p:extLst>
+      <p:ext uri="{BB962C8B-B14F-4D97-AF65-F5344CB8AC3E}">
+        <p14:creationId xmlns:p14="http://schemas.microsoft.com/office/powerpoint/2010/main" val="3212167489"/>
+      </p:ext>
+    </p:extLst>
+  </p:cSld>
+  <p:clrMapOvr>
+    <a:masterClrMapping/>
+  </p:clrMapOvr>
+</p:sld>
+</file>
+
+<file path=ppt/slides/slide34.xml><?xml version="1.0" encoding="utf-8"?>
+<p:sld xmlns:a="http://schemas.openxmlformats.org/drawingml/2006/main" xmlns:r="http://schemas.openxmlformats.org/officeDocument/2006/relationships" xmlns:p="http://schemas.openxmlformats.org/presentationml/2006/main">
+  <p:cSld>
+    <p:spTree>
+      <p:nvGrpSpPr>
+        <p:cNvPr id="1" name=""/>
+        <p:cNvGrpSpPr/>
+        <p:nvPr/>
+      </p:nvGrpSpPr>
+      <p:grpSpPr>
+        <a:xfrm>
+          <a:off x="0" y="0"/>
+          <a:ext cx="0" cy="0"/>
+          <a:chOff x="0" y="0"/>
+          <a:chExt cx="0" cy="0"/>
+        </a:xfrm>
+      </p:grpSpPr>
+      <p:sp>
+        <p:nvSpPr>
+          <p:cNvPr id="5" name="제목 4"/>
+          <p:cNvSpPr>
+            <a:spLocks noGrp="1"/>
+          </p:cNvSpPr>
+          <p:nvPr>
+            <p:ph type="title"/>
+          </p:nvPr>
+        </p:nvSpPr>
+        <p:spPr>
+          <a:xfrm>
+            <a:off x="608012" y="539949"/>
+            <a:ext cx="10944225" cy="1140090"/>
+          </a:xfrm>
+        </p:spPr>
+        <p:txBody>
+          <a:bodyPr>
+            <a:normAutofit/>
+          </a:bodyPr>
+          <a:lstStyle/>
+          <a:p>
+            <a:pPr algn="l"/>
+            <a:r>
+              <a:rPr lang="en-US" altLang="ko-KR" sz="4400" dirty="0">
+                <a:solidFill>
+                  <a:schemeClr val="tx1">
+                    <a:lumMod val="75000"/>
+                    <a:lumOff val="25000"/>
+                  </a:schemeClr>
+                </a:solidFill>
+                <a:latin typeface="Noto Sans CJK KR Black" pitchFamily="34" charset="-127"/>
+                <a:ea typeface="Noto Sans CJK KR Black" pitchFamily="34" charset="-127"/>
+              </a:rPr>
+              <a:t>3. </a:t>
+            </a:r>
+            <a:r>
+              <a:rPr lang="ko-KR" altLang="en-US" sz="4400" dirty="0">
+                <a:solidFill>
+                  <a:schemeClr val="tx1">
+                    <a:lumMod val="75000"/>
+                    <a:lumOff val="25000"/>
+                  </a:schemeClr>
+                </a:solidFill>
+                <a:latin typeface="Noto Sans CJK KR Black" pitchFamily="34" charset="-127"/>
+                <a:ea typeface="Noto Sans CJK KR Black" pitchFamily="34" charset="-127"/>
+              </a:rPr>
+              <a:t>시계열분석을 위한 데이터셋 준비</a:t>
+            </a:r>
+            <a:endParaRPr lang="ko-KR" altLang="en-US" sz="4400" dirty="0">
+              <a:solidFill>
+                <a:schemeClr val="tx1">
+                  <a:lumMod val="75000"/>
+                  <a:lumOff val="25000"/>
+                </a:schemeClr>
+              </a:solidFill>
+            </a:endParaRPr>
+          </a:p>
+        </p:txBody>
+      </p:sp>
+      <p:sp>
+        <p:nvSpPr>
+          <p:cNvPr id="3" name="슬라이드 번호 개체 틀 2"/>
+          <p:cNvSpPr>
+            <a:spLocks noGrp="1"/>
+          </p:cNvSpPr>
+          <p:nvPr>
+            <p:ph type="sldNum" sz="quarter" idx="12"/>
+          </p:nvPr>
+        </p:nvSpPr>
+        <p:spPr/>
+        <p:txBody>
+          <a:bodyPr/>
+          <a:lstStyle/>
+          <a:p>
+            <a:fld id="{6DDAE2C3-1A0B-474A-8CE8-AE55B8D9D4B1}" type="slidenum">
+              <a:rPr lang="ko-KR" altLang="en-US" smtClean="0"/>
+              <a:pPr/>
+              <a:t>34</a:t>
+            </a:fld>
+            <a:endParaRPr lang="ko-KR" altLang="en-US" dirty="0"/>
+          </a:p>
+        </p:txBody>
+      </p:sp>
+      <p:pic>
+        <p:nvPicPr>
+          <p:cNvPr id="4" name="그림 3">
+            <a:extLst>
+              <a:ext uri="{FF2B5EF4-FFF2-40B4-BE49-F238E27FC236}">
+                <a16:creationId xmlns:a16="http://schemas.microsoft.com/office/drawing/2014/main" id="{2970CC12-F9A6-4E77-A087-B1C87E9466C1}"/>
+              </a:ext>
+            </a:extLst>
+          </p:cNvPr>
+          <p:cNvPicPr>
+            <a:picLocks noChangeAspect="1"/>
+          </p:cNvPicPr>
+          <p:nvPr/>
+        </p:nvPicPr>
+        <p:blipFill>
+          <a:blip r:embed="rId2"/>
+          <a:stretch>
+            <a:fillRect/>
+          </a:stretch>
+        </p:blipFill>
+        <p:spPr>
+          <a:xfrm>
+            <a:off x="3555999" y="2052117"/>
+            <a:ext cx="5048250" cy="3609975"/>
           </a:xfrm>
           <a:prstGeom prst="rect">
             <a:avLst/>
@@ -8160,7 +9404,7 @@
 </p:sld>
 </file>
 
-<file path=ppt/slides/slide34.xml><?xml version="1.0" encoding="utf-8"?>
+<file path=ppt/slides/slide35.xml><?xml version="1.0" encoding="utf-8"?>
 <p:sld xmlns:a="http://schemas.openxmlformats.org/drawingml/2006/main" xmlns:r="http://schemas.openxmlformats.org/officeDocument/2006/relationships" xmlns:p="http://schemas.openxmlformats.org/presentationml/2006/main">
   <p:cSld>
     <p:spTree>
@@ -8893,7 +10137,20 @@
                 <a:latin typeface="Noto Sans CJK KR Black" pitchFamily="34" charset="-127"/>
                 <a:ea typeface="Noto Sans CJK KR Black" pitchFamily="34" charset="-127"/>
               </a:rPr>
-              <a:t>1. Learning Style and Algorithms</a:t>
+              <a:t>1. </a:t>
+            </a:r>
+            <a:r>
+              <a:rPr lang="ko-KR" altLang="en-US" sz="4400" dirty="0">
+                <a:solidFill>
+                  <a:schemeClr val="tx1">
+                    <a:lumMod val="75000"/>
+                    <a:lumOff val="25000"/>
+                  </a:schemeClr>
+                </a:solidFill>
+                <a:latin typeface="Noto Sans CJK KR Black" pitchFamily="34" charset="-127"/>
+                <a:ea typeface="Noto Sans CJK KR Black" pitchFamily="34" charset="-127"/>
+              </a:rPr>
+              <a:t>학습방향과 알고리즘</a:t>
             </a:r>
             <a:endParaRPr lang="ko-KR" altLang="en-US" sz="4400" dirty="0">
               <a:solidFill>
@@ -8932,10 +10189,10 @@
       </p:sp>
       <p:pic>
         <p:nvPicPr>
-          <p:cNvPr id="8" name="그림 7">
+          <p:cNvPr id="2" name="그림 1">
             <a:extLst>
               <a:ext uri="{FF2B5EF4-FFF2-40B4-BE49-F238E27FC236}">
-                <a16:creationId xmlns:a16="http://schemas.microsoft.com/office/drawing/2014/main" id="{D8F06992-643B-409A-9A58-D8E14207BD23}"/>
+                <a16:creationId xmlns:a16="http://schemas.microsoft.com/office/drawing/2014/main" id="{6A0E81E0-0355-4581-8F62-E4F8CE2DDED0}"/>
               </a:ext>
             </a:extLst>
           </p:cNvPr>
@@ -8952,8 +10209,8 @@
         </p:blipFill>
         <p:spPr>
           <a:xfrm>
-            <a:off x="1183581" y="1692077"/>
-            <a:ext cx="7200000" cy="2314766"/>
+            <a:off x="1111573" y="1912043"/>
+            <a:ext cx="6480000" cy="2120294"/>
           </a:xfrm>
           <a:prstGeom prst="rect">
             <a:avLst/>
@@ -9024,7 +10281,20 @@
                 <a:latin typeface="Noto Sans CJK KR Black" pitchFamily="34" charset="-127"/>
                 <a:ea typeface="Noto Sans CJK KR Black" pitchFamily="34" charset="-127"/>
               </a:rPr>
-              <a:t>1. Learning Style and Algorithms</a:t>
+              <a:t>1. </a:t>
+            </a:r>
+            <a:r>
+              <a:rPr lang="ko-KR" altLang="en-US" sz="4400" dirty="0">
+                <a:solidFill>
+                  <a:schemeClr val="tx1">
+                    <a:lumMod val="75000"/>
+                    <a:lumOff val="25000"/>
+                  </a:schemeClr>
+                </a:solidFill>
+                <a:latin typeface="Noto Sans CJK KR Black" pitchFamily="34" charset="-127"/>
+                <a:ea typeface="Noto Sans CJK KR Black" pitchFamily="34" charset="-127"/>
+              </a:rPr>
+              <a:t>학습방향과 알고리즘</a:t>
             </a:r>
             <a:endParaRPr lang="ko-KR" altLang="en-US" sz="4400" dirty="0">
               <a:solidFill>
@@ -9155,7 +10425,20 @@
                 <a:latin typeface="Noto Sans CJK KR Black" pitchFamily="34" charset="-127"/>
                 <a:ea typeface="Noto Sans CJK KR Black" pitchFamily="34" charset="-127"/>
               </a:rPr>
-              <a:t>1. Learning Style and Algorithms</a:t>
+              <a:t>1. </a:t>
+            </a:r>
+            <a:r>
+              <a:rPr lang="ko-KR" altLang="en-US" sz="4400" dirty="0">
+                <a:solidFill>
+                  <a:schemeClr val="tx1">
+                    <a:lumMod val="75000"/>
+                    <a:lumOff val="25000"/>
+                  </a:schemeClr>
+                </a:solidFill>
+                <a:latin typeface="Noto Sans CJK KR Black" pitchFamily="34" charset="-127"/>
+                <a:ea typeface="Noto Sans CJK KR Black" pitchFamily="34" charset="-127"/>
+              </a:rPr>
+              <a:t>학습방향과 알고리즘</a:t>
             </a:r>
             <a:endParaRPr lang="ko-KR" altLang="en-US" sz="4400" dirty="0">
               <a:solidFill>
@@ -9270,7 +10553,7 @@
         </p:spPr>
         <p:txBody>
           <a:bodyPr>
-            <a:normAutofit fontScale="90000"/>
+            <a:normAutofit/>
           </a:bodyPr>
           <a:lstStyle/>
           <a:p>
@@ -9286,32 +10569,20 @@
                 <a:latin typeface="Noto Sans CJK KR Black" pitchFamily="34" charset="-127"/>
                 <a:ea typeface="Noto Sans CJK KR Black" pitchFamily="34" charset="-127"/>
               </a:rPr>
-              <a:t>1. Learning Style </a:t>
-            </a:r>
-            <a:br>
-              <a:rPr lang="en-US" altLang="ko-KR" sz="4400" dirty="0">
-                <a:solidFill>
-                  <a:schemeClr val="tx1">
-                    <a:lumMod val="75000"/>
-                    <a:lumOff val="25000"/>
-                  </a:schemeClr>
-                </a:solidFill>
-                <a:latin typeface="Noto Sans CJK KR Black" pitchFamily="34" charset="-127"/>
-                <a:ea typeface="Noto Sans CJK KR Black" pitchFamily="34" charset="-127"/>
-              </a:rPr>
-            </a:br>
-            <a:r>
-              <a:rPr lang="en-US" altLang="ko-KR" sz="4400" dirty="0">
-                <a:solidFill>
-                  <a:schemeClr val="tx1">
-                    <a:lumMod val="75000"/>
-                    <a:lumOff val="25000"/>
-                  </a:schemeClr>
-                </a:solidFill>
-                <a:latin typeface="Noto Sans CJK KR Black" pitchFamily="34" charset="-127"/>
-                <a:ea typeface="Noto Sans CJK KR Black" pitchFamily="34" charset="-127"/>
-              </a:rPr>
-              <a:t>and Algorithms</a:t>
+              <a:t>1. </a:t>
+            </a:r>
+            <a:r>
+              <a:rPr lang="ko-KR" altLang="en-US" sz="4400" dirty="0">
+                <a:solidFill>
+                  <a:schemeClr val="tx1">
+                    <a:lumMod val="75000"/>
+                    <a:lumOff val="25000"/>
+                  </a:schemeClr>
+                </a:solidFill>
+                <a:latin typeface="Noto Sans CJK KR Black" pitchFamily="34" charset="-127"/>
+                <a:ea typeface="Noto Sans CJK KR Black" pitchFamily="34" charset="-127"/>
+              </a:rPr>
+              <a:t>학습방향과 알고리즘</a:t>
             </a:r>
             <a:endParaRPr lang="ko-KR" altLang="en-US" sz="4400" dirty="0">
               <a:solidFill>
